--- a/04-刘宇-project1.pptx
+++ b/04-刘宇-project1.pptx
@@ -5,17 +5,25 @@
     <p:sldMasterId id="2147483648" r:id="rId1"/>
   </p:sldMasterIdLst>
   <p:notesMasterIdLst>
-    <p:notesMasterId r:id="rId10"/>
+    <p:notesMasterId r:id="rId18"/>
   </p:notesMasterIdLst>
   <p:sldIdLst>
     <p:sldId id="256" r:id="rId2"/>
     <p:sldId id="258" r:id="rId3"/>
     <p:sldId id="259" r:id="rId4"/>
     <p:sldId id="277" r:id="rId5"/>
-    <p:sldId id="275" r:id="rId6"/>
-    <p:sldId id="279" r:id="rId7"/>
-    <p:sldId id="276" r:id="rId8"/>
-    <p:sldId id="271" r:id="rId9"/>
+    <p:sldId id="280" r:id="rId6"/>
+    <p:sldId id="275" r:id="rId7"/>
+    <p:sldId id="271" r:id="rId8"/>
+    <p:sldId id="281" r:id="rId9"/>
+    <p:sldId id="279" r:id="rId10"/>
+    <p:sldId id="276" r:id="rId11"/>
+    <p:sldId id="282" r:id="rId12"/>
+    <p:sldId id="283" r:id="rId13"/>
+    <p:sldId id="284" r:id="rId14"/>
+    <p:sldId id="285" r:id="rId15"/>
+    <p:sldId id="286" r:id="rId16"/>
+    <p:sldId id="287" r:id="rId17"/>
   </p:sldIdLst>
   <p:sldSz cx="9144000" cy="5143500" type="screen16x9"/>
   <p:notesSz cx="6858000" cy="9144000"/>
@@ -215,7 +223,7 @@
           <a:p>
             <a:fld id="{D46A6B8D-059D-445B-9BA7-66C4268FA1F1}" type="datetimeFigureOut">
               <a:rPr lang="zh-CN" altLang="en-US" smtClean="0"/>
-              <a:t>2025/4/4</a:t>
+              <a:t>2025/4/13</a:t>
             </a:fld>
             <a:endParaRPr lang="zh-CN" altLang="en-US"/>
           </a:p>
@@ -674,6 +682,114 @@
 </p:notes>
 </file>
 
+<file path=ppt/notesSlides/notesSlide3.xml><?xml version="1.0" encoding="utf-8"?>
+<p:notes xmlns:a="http://schemas.openxmlformats.org/drawingml/2006/main" xmlns:r="http://schemas.openxmlformats.org/officeDocument/2006/relationships" xmlns:p="http://schemas.openxmlformats.org/presentationml/2006/main">
+  <p:cSld>
+    <p:spTree>
+      <p:nvGrpSpPr>
+        <p:cNvPr id="1" name="">
+          <a:extLst>
+            <a:ext uri="{FF2B5EF4-FFF2-40B4-BE49-F238E27FC236}">
+              <a16:creationId xmlns:a16="http://schemas.microsoft.com/office/drawing/2014/main" id="{04E4B919-CC68-5A15-F04F-C60EF63E63BC}"/>
+            </a:ext>
+          </a:extLst>
+        </p:cNvPr>
+        <p:cNvGrpSpPr/>
+        <p:nvPr/>
+      </p:nvGrpSpPr>
+      <p:grpSpPr>
+        <a:xfrm>
+          <a:off x="0" y="0"/>
+          <a:ext cx="0" cy="0"/>
+          <a:chOff x="0" y="0"/>
+          <a:chExt cx="0" cy="0"/>
+        </a:xfrm>
+      </p:grpSpPr>
+      <p:sp>
+        <p:nvSpPr>
+          <p:cNvPr id="2" name="幻灯片图像占位符 1">
+            <a:extLst>
+              <a:ext uri="{FF2B5EF4-FFF2-40B4-BE49-F238E27FC236}">
+                <a16:creationId xmlns:a16="http://schemas.microsoft.com/office/drawing/2014/main" id="{694671D5-CB6D-8BD4-CF74-F0673AEF9F06}"/>
+              </a:ext>
+            </a:extLst>
+          </p:cNvPr>
+          <p:cNvSpPr>
+            <a:spLocks noGrp="1" noRot="1" noChangeAspect="1"/>
+          </p:cNvSpPr>
+          <p:nvPr>
+            <p:ph type="sldImg"/>
+          </p:nvPr>
+        </p:nvSpPr>
+        <p:spPr/>
+      </p:sp>
+      <p:sp>
+        <p:nvSpPr>
+          <p:cNvPr id="3" name="备注占位符 2">
+            <a:extLst>
+              <a:ext uri="{FF2B5EF4-FFF2-40B4-BE49-F238E27FC236}">
+                <a16:creationId xmlns:a16="http://schemas.microsoft.com/office/drawing/2014/main" id="{98967726-6A30-BAC7-2918-7D51D9B4E055}"/>
+              </a:ext>
+            </a:extLst>
+          </p:cNvPr>
+          <p:cNvSpPr>
+            <a:spLocks noGrp="1"/>
+          </p:cNvSpPr>
+          <p:nvPr>
+            <p:ph type="body" idx="1"/>
+          </p:nvPr>
+        </p:nvSpPr>
+        <p:spPr/>
+        <p:txBody>
+          <a:bodyPr/>
+          <a:lstStyle/>
+          <a:p>
+            <a:endParaRPr lang="zh-CN" altLang="en-US" dirty="0"/>
+          </a:p>
+        </p:txBody>
+      </p:sp>
+      <p:sp>
+        <p:nvSpPr>
+          <p:cNvPr id="4" name="灯片编号占位符 3">
+            <a:extLst>
+              <a:ext uri="{FF2B5EF4-FFF2-40B4-BE49-F238E27FC236}">
+                <a16:creationId xmlns:a16="http://schemas.microsoft.com/office/drawing/2014/main" id="{73C8F7E1-EF03-7579-2747-55D8D808FA12}"/>
+              </a:ext>
+            </a:extLst>
+          </p:cNvPr>
+          <p:cNvSpPr>
+            <a:spLocks noGrp="1"/>
+          </p:cNvSpPr>
+          <p:nvPr>
+            <p:ph type="sldNum" sz="quarter" idx="5"/>
+          </p:nvPr>
+        </p:nvSpPr>
+        <p:spPr/>
+        <p:txBody>
+          <a:bodyPr/>
+          <a:lstStyle/>
+          <a:p>
+            <a:fld id="{61345F48-550D-4201-926B-E9499A015AC4}" type="slidenum">
+              <a:rPr lang="zh-CN" altLang="en-US" smtClean="0"/>
+              <a:t>5</a:t>
+            </a:fld>
+            <a:endParaRPr lang="zh-CN" altLang="en-US"/>
+          </a:p>
+        </p:txBody>
+      </p:sp>
+    </p:spTree>
+    <p:extLst>
+      <p:ext uri="{BB962C8B-B14F-4D97-AF65-F5344CB8AC3E}">
+        <p14:creationId xmlns:p14="http://schemas.microsoft.com/office/powerpoint/2010/main" val="63886983"/>
+      </p:ext>
+    </p:extLst>
+  </p:cSld>
+  <p:clrMapOvr>
+    <a:masterClrMapping/>
+  </p:clrMapOvr>
+</p:notes>
+</file>
+
 <file path=ppt/slideLayouts/slideLayout1.xml><?xml version="1.0" encoding="utf-8"?>
 <p:sldLayout xmlns:a="http://schemas.openxmlformats.org/drawingml/2006/main" xmlns:r="http://schemas.openxmlformats.org/officeDocument/2006/relationships" xmlns:p="http://schemas.openxmlformats.org/presentationml/2006/main" type="title" preserve="1">
   <p:cSld name="标题幻灯片">
@@ -853,7 +969,7 @@
           <a:p>
             <a:fld id="{530820CF-B880-4189-942D-D702A7CBA730}" type="datetimeFigureOut">
               <a:rPr lang="zh-CN" altLang="en-US" smtClean="0"/>
-              <a:t>2025/4/4</a:t>
+              <a:t>2025/4/13</a:t>
             </a:fld>
             <a:endParaRPr lang="zh-CN" altLang="en-US"/>
           </a:p>
@@ -1016,7 +1132,7 @@
           <a:p>
             <a:fld id="{530820CF-B880-4189-942D-D702A7CBA730}" type="datetimeFigureOut">
               <a:rPr lang="zh-CN" altLang="en-US" smtClean="0"/>
-              <a:t>2025/4/4</a:t>
+              <a:t>2025/4/13</a:t>
             </a:fld>
             <a:endParaRPr lang="zh-CN" altLang="en-US"/>
           </a:p>
@@ -1189,7 +1305,7 @@
           <a:p>
             <a:fld id="{530820CF-B880-4189-942D-D702A7CBA730}" type="datetimeFigureOut">
               <a:rPr lang="zh-CN" altLang="en-US" smtClean="0"/>
-              <a:t>2025/4/4</a:t>
+              <a:t>2025/4/13</a:t>
             </a:fld>
             <a:endParaRPr lang="zh-CN" altLang="en-US"/>
           </a:p>
@@ -1352,7 +1468,7 @@
           <a:p>
             <a:fld id="{530820CF-B880-4189-942D-D702A7CBA730}" type="datetimeFigureOut">
               <a:rPr lang="zh-CN" altLang="en-US" smtClean="0"/>
-              <a:t>2025/4/4</a:t>
+              <a:t>2025/4/13</a:t>
             </a:fld>
             <a:endParaRPr lang="zh-CN" altLang="en-US"/>
           </a:p>
@@ -1592,7 +1708,7 @@
           <a:p>
             <a:fld id="{530820CF-B880-4189-942D-D702A7CBA730}" type="datetimeFigureOut">
               <a:rPr lang="zh-CN" altLang="en-US" smtClean="0"/>
-              <a:t>2025/4/4</a:t>
+              <a:t>2025/4/13</a:t>
             </a:fld>
             <a:endParaRPr lang="zh-CN" altLang="en-US"/>
           </a:p>
@@ -1872,7 +1988,7 @@
           <a:p>
             <a:fld id="{530820CF-B880-4189-942D-D702A7CBA730}" type="datetimeFigureOut">
               <a:rPr lang="zh-CN" altLang="en-US" smtClean="0"/>
-              <a:t>2025/4/4</a:t>
+              <a:t>2025/4/13</a:t>
             </a:fld>
             <a:endParaRPr lang="zh-CN" altLang="en-US"/>
           </a:p>
@@ -2286,7 +2402,7 @@
           <a:p>
             <a:fld id="{530820CF-B880-4189-942D-D702A7CBA730}" type="datetimeFigureOut">
               <a:rPr lang="zh-CN" altLang="en-US" smtClean="0"/>
-              <a:t>2025/4/4</a:t>
+              <a:t>2025/4/13</a:t>
             </a:fld>
             <a:endParaRPr lang="zh-CN" altLang="en-US"/>
           </a:p>
@@ -2398,7 +2514,7 @@
           <a:p>
             <a:fld id="{530820CF-B880-4189-942D-D702A7CBA730}" type="datetimeFigureOut">
               <a:rPr lang="zh-CN" altLang="en-US" smtClean="0"/>
-              <a:t>2025/4/4</a:t>
+              <a:t>2025/4/13</a:t>
             </a:fld>
             <a:endParaRPr lang="zh-CN" altLang="en-US"/>
           </a:p>
@@ -2488,7 +2604,7 @@
           <a:p>
             <a:fld id="{530820CF-B880-4189-942D-D702A7CBA730}" type="datetimeFigureOut">
               <a:rPr lang="zh-CN" altLang="en-US" smtClean="0"/>
-              <a:t>2025/4/4</a:t>
+              <a:t>2025/4/13</a:t>
             </a:fld>
             <a:endParaRPr lang="zh-CN" altLang="en-US"/>
           </a:p>
@@ -2758,7 +2874,7 @@
           <a:p>
             <a:fld id="{530820CF-B880-4189-942D-D702A7CBA730}" type="datetimeFigureOut">
               <a:rPr lang="zh-CN" altLang="en-US" smtClean="0"/>
-              <a:t>2025/4/4</a:t>
+              <a:t>2025/4/13</a:t>
             </a:fld>
             <a:endParaRPr lang="zh-CN" altLang="en-US"/>
           </a:p>
@@ -3005,7 +3121,7 @@
           <a:p>
             <a:fld id="{530820CF-B880-4189-942D-D702A7CBA730}" type="datetimeFigureOut">
               <a:rPr lang="zh-CN" altLang="en-US" smtClean="0"/>
-              <a:t>2025/4/4</a:t>
+              <a:t>2025/4/13</a:t>
             </a:fld>
             <a:endParaRPr lang="zh-CN" altLang="en-US"/>
           </a:p>
@@ -3211,7 +3327,7 @@
           <a:p>
             <a:fld id="{530820CF-B880-4189-942D-D702A7CBA730}" type="datetimeFigureOut">
               <a:rPr lang="zh-CN" altLang="en-US" smtClean="0"/>
-              <a:t>2025/4/4</a:t>
+              <a:t>2025/4/13</a:t>
             </a:fld>
             <a:endParaRPr lang="zh-CN" altLang="en-US"/>
           </a:p>
@@ -4476,6 +4592,1921 @@
 </p:sld>
 </file>
 
+<file path=ppt/slides/slide10.xml><?xml version="1.0" encoding="utf-8"?>
+<p:sld xmlns:a="http://schemas.openxmlformats.org/drawingml/2006/main" xmlns:r="http://schemas.openxmlformats.org/officeDocument/2006/relationships" xmlns:p="http://schemas.openxmlformats.org/presentationml/2006/main">
+  <p:cSld>
+    <p:spTree>
+      <p:nvGrpSpPr>
+        <p:cNvPr id="1" name="">
+          <a:extLst>
+            <a:ext uri="{FF2B5EF4-FFF2-40B4-BE49-F238E27FC236}">
+              <a16:creationId xmlns:a16="http://schemas.microsoft.com/office/drawing/2014/main" id="{B7F5FC13-BF9C-684C-A7E0-0667490A0A66}"/>
+            </a:ext>
+          </a:extLst>
+        </p:cNvPr>
+        <p:cNvGrpSpPr/>
+        <p:nvPr/>
+      </p:nvGrpSpPr>
+      <p:grpSpPr>
+        <a:xfrm>
+          <a:off x="0" y="0"/>
+          <a:ext cx="0" cy="0"/>
+          <a:chOff x="0" y="0"/>
+          <a:chExt cx="0" cy="0"/>
+        </a:xfrm>
+      </p:grpSpPr>
+      <p:cxnSp>
+        <p:nvCxnSpPr>
+          <p:cNvPr id="2" name="直接连接符 1">
+            <a:extLst>
+              <a:ext uri="{FF2B5EF4-FFF2-40B4-BE49-F238E27FC236}">
+                <a16:creationId xmlns:a16="http://schemas.microsoft.com/office/drawing/2014/main" id="{9E1BEE83-8DDA-70C9-3103-83A8B0805F3F}"/>
+              </a:ext>
+            </a:extLst>
+          </p:cNvPr>
+          <p:cNvCxnSpPr>
+            <a:stCxn id="3" idx="5"/>
+          </p:cNvCxnSpPr>
+          <p:nvPr/>
+        </p:nvCxnSpPr>
+        <p:spPr>
+          <a:xfrm>
+            <a:off x="-240720" y="477585"/>
+            <a:ext cx="9421232" cy="0"/>
+          </a:xfrm>
+          <a:prstGeom prst="line">
+            <a:avLst/>
+          </a:prstGeom>
+          <a:ln w="12700">
+            <a:solidFill>
+              <a:schemeClr val="accent1">
+                <a:lumMod val="50000"/>
+              </a:schemeClr>
+            </a:solidFill>
+          </a:ln>
+        </p:spPr>
+        <p:style>
+          <a:lnRef idx="1">
+            <a:schemeClr val="accent1"/>
+          </a:lnRef>
+          <a:fillRef idx="0">
+            <a:schemeClr val="accent1"/>
+          </a:fillRef>
+          <a:effectRef idx="0">
+            <a:schemeClr val="accent1"/>
+          </a:effectRef>
+          <a:fontRef idx="minor">
+            <a:schemeClr val="tx1"/>
+          </a:fontRef>
+        </p:style>
+      </p:cxnSp>
+      <p:sp>
+        <p:nvSpPr>
+          <p:cNvPr id="3" name="平行四边形 2">
+            <a:extLst>
+              <a:ext uri="{FF2B5EF4-FFF2-40B4-BE49-F238E27FC236}">
+                <a16:creationId xmlns:a16="http://schemas.microsoft.com/office/drawing/2014/main" id="{59139D79-164C-8F97-4254-95061E76D59A}"/>
+              </a:ext>
+            </a:extLst>
+          </p:cNvPr>
+          <p:cNvSpPr/>
+          <p:nvPr/>
+        </p:nvSpPr>
+        <p:spPr>
+          <a:xfrm>
+            <a:off x="-324544" y="261561"/>
+            <a:ext cx="2664296" cy="432048"/>
+          </a:xfrm>
+          <a:prstGeom prst="parallelogram">
+            <a:avLst>
+              <a:gd name="adj" fmla="val 38803"/>
+            </a:avLst>
+          </a:prstGeom>
+          <a:solidFill>
+            <a:schemeClr val="accent1">
+              <a:lumMod val="50000"/>
+            </a:schemeClr>
+          </a:solidFill>
+          <a:ln>
+            <a:noFill/>
+          </a:ln>
+        </p:spPr>
+        <p:style>
+          <a:lnRef idx="2">
+            <a:schemeClr val="accent1">
+              <a:shade val="50000"/>
+            </a:schemeClr>
+          </a:lnRef>
+          <a:fillRef idx="1">
+            <a:schemeClr val="accent1"/>
+          </a:fillRef>
+          <a:effectRef idx="0">
+            <a:schemeClr val="accent1"/>
+          </a:effectRef>
+          <a:fontRef idx="minor">
+            <a:schemeClr val="lt1"/>
+          </a:fontRef>
+        </p:style>
+        <p:txBody>
+          <a:bodyPr rtlCol="0" anchor="ctr"/>
+          <a:lstStyle/>
+          <a:p>
+            <a:pPr algn="ctr"/>
+            <a:endParaRPr lang="zh-CN" altLang="en-US"/>
+          </a:p>
+        </p:txBody>
+      </p:sp>
+      <p:sp>
+        <p:nvSpPr>
+          <p:cNvPr id="14" name="矩形 13">
+            <a:extLst>
+              <a:ext uri="{FF2B5EF4-FFF2-40B4-BE49-F238E27FC236}">
+                <a16:creationId xmlns:a16="http://schemas.microsoft.com/office/drawing/2014/main" id="{5E3FE320-BA9D-53C2-9F1E-DE2DBE2CD132}"/>
+              </a:ext>
+            </a:extLst>
+          </p:cNvPr>
+          <p:cNvSpPr/>
+          <p:nvPr/>
+        </p:nvSpPr>
+        <p:spPr>
+          <a:xfrm>
+            <a:off x="393300" y="319849"/>
+            <a:ext cx="1224136" cy="315471"/>
+          </a:xfrm>
+          <a:prstGeom prst="rect">
+            <a:avLst/>
+          </a:prstGeom>
+        </p:spPr>
+        <p:txBody>
+          <a:bodyPr wrap="square" lIns="68580" tIns="34290" rIns="68580" bIns="34290">
+            <a:spAutoFit/>
+          </a:bodyPr>
+          <a:lstStyle/>
+          <a:p>
+            <a:r>
+              <a:rPr lang="zh-CN" altLang="en-US" sz="1600" dirty="0">
+                <a:solidFill>
+                  <a:schemeClr val="bg1"/>
+                </a:solidFill>
+                <a:latin typeface="微软雅黑" panose="020B0503020204020204" pitchFamily="34" charset="-122"/>
+                <a:ea typeface="微软雅黑" panose="020B0503020204020204" pitchFamily="34" charset="-122"/>
+              </a:rPr>
+              <a:t>决策树模型</a:t>
+            </a:r>
+          </a:p>
+        </p:txBody>
+      </p:sp>
+      <p:pic>
+        <p:nvPicPr>
+          <p:cNvPr id="5" name="图片 4">
+            <a:extLst>
+              <a:ext uri="{FF2B5EF4-FFF2-40B4-BE49-F238E27FC236}">
+                <a16:creationId xmlns:a16="http://schemas.microsoft.com/office/drawing/2014/main" id="{B4F5AB8A-A555-EF40-C0FE-FF43AEC5A842}"/>
+              </a:ext>
+            </a:extLst>
+          </p:cNvPr>
+          <p:cNvPicPr>
+            <a:picLocks noChangeAspect="1"/>
+          </p:cNvPicPr>
+          <p:nvPr/>
+        </p:nvPicPr>
+        <p:blipFill>
+          <a:blip r:embed="rId2"/>
+          <a:stretch>
+            <a:fillRect/>
+          </a:stretch>
+        </p:blipFill>
+        <p:spPr>
+          <a:xfrm>
+            <a:off x="393300" y="793056"/>
+            <a:ext cx="8351205" cy="4137604"/>
+          </a:xfrm>
+          <a:prstGeom prst="rect">
+            <a:avLst/>
+          </a:prstGeom>
+        </p:spPr>
+      </p:pic>
+    </p:spTree>
+    <p:extLst>
+      <p:ext uri="{BB962C8B-B14F-4D97-AF65-F5344CB8AC3E}">
+        <p14:creationId xmlns:p14="http://schemas.microsoft.com/office/powerpoint/2010/main" val="1206781862"/>
+      </p:ext>
+    </p:extLst>
+  </p:cSld>
+  <p:clrMapOvr>
+    <a:masterClrMapping/>
+  </p:clrMapOvr>
+</p:sld>
+</file>
+
+<file path=ppt/slides/slide11.xml><?xml version="1.0" encoding="utf-8"?>
+<p:sld xmlns:a="http://schemas.openxmlformats.org/drawingml/2006/main" xmlns:r="http://schemas.openxmlformats.org/officeDocument/2006/relationships" xmlns:p="http://schemas.openxmlformats.org/presentationml/2006/main">
+  <p:cSld>
+    <p:spTree>
+      <p:nvGrpSpPr>
+        <p:cNvPr id="1" name="">
+          <a:extLst>
+            <a:ext uri="{FF2B5EF4-FFF2-40B4-BE49-F238E27FC236}">
+              <a16:creationId xmlns:a16="http://schemas.microsoft.com/office/drawing/2014/main" id="{F32E840F-6E21-3E7E-EAE4-B76A0DE3016E}"/>
+            </a:ext>
+          </a:extLst>
+        </p:cNvPr>
+        <p:cNvGrpSpPr/>
+        <p:nvPr/>
+      </p:nvGrpSpPr>
+      <p:grpSpPr>
+        <a:xfrm>
+          <a:off x="0" y="0"/>
+          <a:ext cx="0" cy="0"/>
+          <a:chOff x="0" y="0"/>
+          <a:chExt cx="0" cy="0"/>
+        </a:xfrm>
+      </p:grpSpPr>
+      <p:cxnSp>
+        <p:nvCxnSpPr>
+          <p:cNvPr id="2" name="直接连接符 1">
+            <a:extLst>
+              <a:ext uri="{FF2B5EF4-FFF2-40B4-BE49-F238E27FC236}">
+                <a16:creationId xmlns:a16="http://schemas.microsoft.com/office/drawing/2014/main" id="{D839EF82-D126-999E-1A39-41E6A36D0888}"/>
+              </a:ext>
+            </a:extLst>
+          </p:cNvPr>
+          <p:cNvCxnSpPr>
+            <a:stCxn id="3" idx="5"/>
+          </p:cNvCxnSpPr>
+          <p:nvPr/>
+        </p:nvCxnSpPr>
+        <p:spPr>
+          <a:xfrm>
+            <a:off x="-240720" y="477585"/>
+            <a:ext cx="9421232" cy="0"/>
+          </a:xfrm>
+          <a:prstGeom prst="line">
+            <a:avLst/>
+          </a:prstGeom>
+          <a:ln w="12700">
+            <a:solidFill>
+              <a:schemeClr val="accent1">
+                <a:lumMod val="50000"/>
+              </a:schemeClr>
+            </a:solidFill>
+          </a:ln>
+        </p:spPr>
+        <p:style>
+          <a:lnRef idx="1">
+            <a:schemeClr val="accent1"/>
+          </a:lnRef>
+          <a:fillRef idx="0">
+            <a:schemeClr val="accent1"/>
+          </a:fillRef>
+          <a:effectRef idx="0">
+            <a:schemeClr val="accent1"/>
+          </a:effectRef>
+          <a:fontRef idx="minor">
+            <a:schemeClr val="tx1"/>
+          </a:fontRef>
+        </p:style>
+      </p:cxnSp>
+      <p:sp>
+        <p:nvSpPr>
+          <p:cNvPr id="3" name="平行四边形 2">
+            <a:extLst>
+              <a:ext uri="{FF2B5EF4-FFF2-40B4-BE49-F238E27FC236}">
+                <a16:creationId xmlns:a16="http://schemas.microsoft.com/office/drawing/2014/main" id="{5CE970A7-9E4B-FF23-1EDF-6088DCAB732A}"/>
+              </a:ext>
+            </a:extLst>
+          </p:cNvPr>
+          <p:cNvSpPr/>
+          <p:nvPr/>
+        </p:nvSpPr>
+        <p:spPr>
+          <a:xfrm>
+            <a:off x="-324544" y="261561"/>
+            <a:ext cx="2664296" cy="432048"/>
+          </a:xfrm>
+          <a:prstGeom prst="parallelogram">
+            <a:avLst>
+              <a:gd name="adj" fmla="val 38803"/>
+            </a:avLst>
+          </a:prstGeom>
+          <a:solidFill>
+            <a:schemeClr val="accent1">
+              <a:lumMod val="50000"/>
+            </a:schemeClr>
+          </a:solidFill>
+          <a:ln>
+            <a:noFill/>
+          </a:ln>
+        </p:spPr>
+        <p:style>
+          <a:lnRef idx="2">
+            <a:schemeClr val="accent1">
+              <a:shade val="50000"/>
+            </a:schemeClr>
+          </a:lnRef>
+          <a:fillRef idx="1">
+            <a:schemeClr val="accent1"/>
+          </a:fillRef>
+          <a:effectRef idx="0">
+            <a:schemeClr val="accent1"/>
+          </a:effectRef>
+          <a:fontRef idx="minor">
+            <a:schemeClr val="lt1"/>
+          </a:fontRef>
+        </p:style>
+        <p:txBody>
+          <a:bodyPr rtlCol="0" anchor="ctr"/>
+          <a:lstStyle/>
+          <a:p>
+            <a:pPr algn="ctr"/>
+            <a:endParaRPr lang="zh-CN" altLang="en-US"/>
+          </a:p>
+        </p:txBody>
+      </p:sp>
+      <p:sp>
+        <p:nvSpPr>
+          <p:cNvPr id="14" name="矩形 13">
+            <a:extLst>
+              <a:ext uri="{FF2B5EF4-FFF2-40B4-BE49-F238E27FC236}">
+                <a16:creationId xmlns:a16="http://schemas.microsoft.com/office/drawing/2014/main" id="{D9D06E38-506B-091D-A928-7BF10DE32BDF}"/>
+              </a:ext>
+            </a:extLst>
+          </p:cNvPr>
+          <p:cNvSpPr/>
+          <p:nvPr/>
+        </p:nvSpPr>
+        <p:spPr>
+          <a:xfrm>
+            <a:off x="393300" y="319849"/>
+            <a:ext cx="1224136" cy="315471"/>
+          </a:xfrm>
+          <a:prstGeom prst="rect">
+            <a:avLst/>
+          </a:prstGeom>
+        </p:spPr>
+        <p:txBody>
+          <a:bodyPr wrap="square" lIns="68580" tIns="34290" rIns="68580" bIns="34290">
+            <a:spAutoFit/>
+          </a:bodyPr>
+          <a:lstStyle/>
+          <a:p>
+            <a:r>
+              <a:rPr lang="zh-CN" altLang="en-US" sz="1600" dirty="0">
+                <a:solidFill>
+                  <a:schemeClr val="bg1"/>
+                </a:solidFill>
+                <a:latin typeface="微软雅黑" panose="020B0503020204020204" pitchFamily="34" charset="-122"/>
+                <a:ea typeface="微软雅黑" panose="020B0503020204020204" pitchFamily="34" charset="-122"/>
+              </a:rPr>
+              <a:t>决策树模型</a:t>
+            </a:r>
+          </a:p>
+        </p:txBody>
+      </p:sp>
+      <p:sp>
+        <p:nvSpPr>
+          <p:cNvPr id="16" name="文本框 15">
+            <a:extLst>
+              <a:ext uri="{FF2B5EF4-FFF2-40B4-BE49-F238E27FC236}">
+                <a16:creationId xmlns:a16="http://schemas.microsoft.com/office/drawing/2014/main" id="{D55C15D8-52AD-8E2C-3940-3286CD17F7A7}"/>
+              </a:ext>
+            </a:extLst>
+          </p:cNvPr>
+          <p:cNvSpPr txBox="1"/>
+          <p:nvPr/>
+        </p:nvSpPr>
+        <p:spPr>
+          <a:xfrm>
+            <a:off x="3597656" y="4603713"/>
+            <a:ext cx="1730428" cy="369332"/>
+          </a:xfrm>
+          <a:prstGeom prst="rect">
+            <a:avLst/>
+          </a:prstGeom>
+          <a:noFill/>
+        </p:spPr>
+        <p:txBody>
+          <a:bodyPr wrap="square" rtlCol="0">
+            <a:spAutoFit/>
+          </a:bodyPr>
+          <a:lstStyle/>
+          <a:p>
+            <a:r>
+              <a:rPr lang="zh-CN" altLang="en-US" dirty="0"/>
+              <a:t>决策树模型图</a:t>
+            </a:r>
+          </a:p>
+        </p:txBody>
+      </p:sp>
+      <p:pic>
+        <p:nvPicPr>
+          <p:cNvPr id="18" name="图形 17">
+            <a:hlinkClick r:id="rId2" action="ppaction://hlinkfile"/>
+            <a:extLst>
+              <a:ext uri="{FF2B5EF4-FFF2-40B4-BE49-F238E27FC236}">
+                <a16:creationId xmlns:a16="http://schemas.microsoft.com/office/drawing/2014/main" id="{61354DDD-7BE4-C37B-D117-B07FD909E740}"/>
+              </a:ext>
+            </a:extLst>
+          </p:cNvPr>
+          <p:cNvPicPr>
+            <a:picLocks noChangeAspect="1"/>
+          </p:cNvPicPr>
+          <p:nvPr/>
+        </p:nvPicPr>
+        <p:blipFill>
+          <a:blip r:embed="rId3">
+            <a:extLst>
+              <a:ext uri="{96DAC541-7B7A-43D3-8B79-37D633B846F1}">
+                <asvg:svgBlip xmlns:asvg="http://schemas.microsoft.com/office/drawing/2016/SVG/main" r:embed="rId4"/>
+              </a:ext>
+            </a:extLst>
+          </a:blip>
+          <a:stretch>
+            <a:fillRect/>
+          </a:stretch>
+        </p:blipFill>
+        <p:spPr>
+          <a:xfrm>
+            <a:off x="574438" y="715281"/>
+            <a:ext cx="7776864" cy="3888432"/>
+          </a:xfrm>
+          <a:prstGeom prst="rect">
+            <a:avLst/>
+          </a:prstGeom>
+        </p:spPr>
+      </p:pic>
+    </p:spTree>
+    <p:extLst>
+      <p:ext uri="{BB962C8B-B14F-4D97-AF65-F5344CB8AC3E}">
+        <p14:creationId xmlns:p14="http://schemas.microsoft.com/office/powerpoint/2010/main" val="2030055976"/>
+      </p:ext>
+    </p:extLst>
+  </p:cSld>
+  <p:clrMapOvr>
+    <a:masterClrMapping/>
+  </p:clrMapOvr>
+</p:sld>
+</file>
+
+<file path=ppt/slides/slide12.xml><?xml version="1.0" encoding="utf-8"?>
+<p:sld xmlns:a="http://schemas.openxmlformats.org/drawingml/2006/main" xmlns:r="http://schemas.openxmlformats.org/officeDocument/2006/relationships" xmlns:p="http://schemas.openxmlformats.org/presentationml/2006/main">
+  <p:cSld>
+    <p:spTree>
+      <p:nvGrpSpPr>
+        <p:cNvPr id="1" name="">
+          <a:extLst>
+            <a:ext uri="{FF2B5EF4-FFF2-40B4-BE49-F238E27FC236}">
+              <a16:creationId xmlns:a16="http://schemas.microsoft.com/office/drawing/2014/main" id="{F0869C74-F350-2DD3-935F-0F0BDCDB405C}"/>
+            </a:ext>
+          </a:extLst>
+        </p:cNvPr>
+        <p:cNvGrpSpPr/>
+        <p:nvPr/>
+      </p:nvGrpSpPr>
+      <p:grpSpPr>
+        <a:xfrm>
+          <a:off x="0" y="0"/>
+          <a:ext cx="0" cy="0"/>
+          <a:chOff x="0" y="0"/>
+          <a:chExt cx="0" cy="0"/>
+        </a:xfrm>
+      </p:grpSpPr>
+      <p:cxnSp>
+        <p:nvCxnSpPr>
+          <p:cNvPr id="2" name="直接连接符 1">
+            <a:extLst>
+              <a:ext uri="{FF2B5EF4-FFF2-40B4-BE49-F238E27FC236}">
+                <a16:creationId xmlns:a16="http://schemas.microsoft.com/office/drawing/2014/main" id="{81FBAFD3-0154-2361-C83E-BDACF108756C}"/>
+              </a:ext>
+            </a:extLst>
+          </p:cNvPr>
+          <p:cNvCxnSpPr>
+            <a:stCxn id="3" idx="5"/>
+          </p:cNvCxnSpPr>
+          <p:nvPr/>
+        </p:nvCxnSpPr>
+        <p:spPr>
+          <a:xfrm>
+            <a:off x="-240720" y="477585"/>
+            <a:ext cx="9421232" cy="0"/>
+          </a:xfrm>
+          <a:prstGeom prst="line">
+            <a:avLst/>
+          </a:prstGeom>
+          <a:ln w="12700">
+            <a:solidFill>
+              <a:schemeClr val="accent1">
+                <a:lumMod val="50000"/>
+              </a:schemeClr>
+            </a:solidFill>
+          </a:ln>
+        </p:spPr>
+        <p:style>
+          <a:lnRef idx="1">
+            <a:schemeClr val="accent1"/>
+          </a:lnRef>
+          <a:fillRef idx="0">
+            <a:schemeClr val="accent1"/>
+          </a:fillRef>
+          <a:effectRef idx="0">
+            <a:schemeClr val="accent1"/>
+          </a:effectRef>
+          <a:fontRef idx="minor">
+            <a:schemeClr val="tx1"/>
+          </a:fontRef>
+        </p:style>
+      </p:cxnSp>
+      <p:sp>
+        <p:nvSpPr>
+          <p:cNvPr id="3" name="平行四边形 2">
+            <a:extLst>
+              <a:ext uri="{FF2B5EF4-FFF2-40B4-BE49-F238E27FC236}">
+                <a16:creationId xmlns:a16="http://schemas.microsoft.com/office/drawing/2014/main" id="{EA26D27A-6085-4075-0B60-719097989F5D}"/>
+              </a:ext>
+            </a:extLst>
+          </p:cNvPr>
+          <p:cNvSpPr/>
+          <p:nvPr/>
+        </p:nvSpPr>
+        <p:spPr>
+          <a:xfrm>
+            <a:off x="-324544" y="261561"/>
+            <a:ext cx="2664296" cy="432048"/>
+          </a:xfrm>
+          <a:prstGeom prst="parallelogram">
+            <a:avLst>
+              <a:gd name="adj" fmla="val 38803"/>
+            </a:avLst>
+          </a:prstGeom>
+          <a:solidFill>
+            <a:schemeClr val="accent1">
+              <a:lumMod val="50000"/>
+            </a:schemeClr>
+          </a:solidFill>
+          <a:ln>
+            <a:noFill/>
+          </a:ln>
+        </p:spPr>
+        <p:style>
+          <a:lnRef idx="2">
+            <a:schemeClr val="accent1">
+              <a:shade val="50000"/>
+            </a:schemeClr>
+          </a:lnRef>
+          <a:fillRef idx="1">
+            <a:schemeClr val="accent1"/>
+          </a:fillRef>
+          <a:effectRef idx="0">
+            <a:schemeClr val="accent1"/>
+          </a:effectRef>
+          <a:fontRef idx="minor">
+            <a:schemeClr val="lt1"/>
+          </a:fontRef>
+        </p:style>
+        <p:txBody>
+          <a:bodyPr rtlCol="0" anchor="ctr"/>
+          <a:lstStyle/>
+          <a:p>
+            <a:pPr algn="ctr"/>
+            <a:endParaRPr lang="zh-CN" altLang="en-US"/>
+          </a:p>
+        </p:txBody>
+      </p:sp>
+      <p:sp>
+        <p:nvSpPr>
+          <p:cNvPr id="14" name="矩形 13">
+            <a:extLst>
+              <a:ext uri="{FF2B5EF4-FFF2-40B4-BE49-F238E27FC236}">
+                <a16:creationId xmlns:a16="http://schemas.microsoft.com/office/drawing/2014/main" id="{A50730D0-8FE2-D77E-9E4B-51E1B7A1A791}"/>
+              </a:ext>
+            </a:extLst>
+          </p:cNvPr>
+          <p:cNvSpPr/>
+          <p:nvPr/>
+        </p:nvSpPr>
+        <p:spPr>
+          <a:xfrm>
+            <a:off x="322410" y="319849"/>
+            <a:ext cx="1370388" cy="315471"/>
+          </a:xfrm>
+          <a:prstGeom prst="rect">
+            <a:avLst/>
+          </a:prstGeom>
+        </p:spPr>
+        <p:txBody>
+          <a:bodyPr wrap="square" lIns="68580" tIns="34290" rIns="68580" bIns="34290">
+            <a:spAutoFit/>
+          </a:bodyPr>
+          <a:lstStyle/>
+          <a:p>
+            <a:r>
+              <a:rPr lang="zh-CN" altLang="en-US" sz="1600" dirty="0">
+                <a:solidFill>
+                  <a:schemeClr val="bg1"/>
+                </a:solidFill>
+                <a:latin typeface="微软雅黑" panose="020B0503020204020204" pitchFamily="34" charset="-122"/>
+                <a:ea typeface="微软雅黑" panose="020B0503020204020204" pitchFamily="34" charset="-122"/>
+              </a:rPr>
+              <a:t>基于规则分类</a:t>
+            </a:r>
+          </a:p>
+        </p:txBody>
+      </p:sp>
+      <p:sp>
+        <p:nvSpPr>
+          <p:cNvPr id="6" name="文本框 5">
+            <a:extLst>
+              <a:ext uri="{FF2B5EF4-FFF2-40B4-BE49-F238E27FC236}">
+                <a16:creationId xmlns:a16="http://schemas.microsoft.com/office/drawing/2014/main" id="{B4FB7D48-919F-0EC8-4B2E-26E5ECD8C148}"/>
+              </a:ext>
+            </a:extLst>
+          </p:cNvPr>
+          <p:cNvSpPr txBox="1"/>
+          <p:nvPr/>
+        </p:nvSpPr>
+        <p:spPr>
+          <a:xfrm>
+            <a:off x="1025135" y="851344"/>
+            <a:ext cx="1440160" cy="461665"/>
+          </a:xfrm>
+          <a:prstGeom prst="rect">
+            <a:avLst/>
+          </a:prstGeom>
+          <a:noFill/>
+        </p:spPr>
+        <p:txBody>
+          <a:bodyPr wrap="square" rtlCol="0">
+            <a:spAutoFit/>
+          </a:bodyPr>
+          <a:lstStyle/>
+          <a:p>
+            <a:r>
+              <a:rPr lang="zh-CN" altLang="en-US" sz="2400" dirty="0"/>
+              <a:t>系数矩阵</a:t>
+            </a:r>
+          </a:p>
+        </p:txBody>
+      </p:sp>
+      <p:pic>
+        <p:nvPicPr>
+          <p:cNvPr id="8" name="图片 7">
+            <a:extLst>
+              <a:ext uri="{FF2B5EF4-FFF2-40B4-BE49-F238E27FC236}">
+                <a16:creationId xmlns:a16="http://schemas.microsoft.com/office/drawing/2014/main" id="{7BB516FD-AF84-A4DF-FA62-C49A49B39B73}"/>
+              </a:ext>
+            </a:extLst>
+          </p:cNvPr>
+          <p:cNvPicPr>
+            <a:picLocks noChangeAspect="1"/>
+          </p:cNvPicPr>
+          <p:nvPr/>
+        </p:nvPicPr>
+        <p:blipFill>
+          <a:blip r:embed="rId2"/>
+          <a:stretch>
+            <a:fillRect/>
+          </a:stretch>
+        </p:blipFill>
+        <p:spPr>
+          <a:xfrm>
+            <a:off x="1248370" y="1313009"/>
+            <a:ext cx="6647259" cy="3670874"/>
+          </a:xfrm>
+          <a:prstGeom prst="rect">
+            <a:avLst/>
+          </a:prstGeom>
+        </p:spPr>
+      </p:pic>
+    </p:spTree>
+    <p:extLst>
+      <p:ext uri="{BB962C8B-B14F-4D97-AF65-F5344CB8AC3E}">
+        <p14:creationId xmlns:p14="http://schemas.microsoft.com/office/powerpoint/2010/main" val="3438154167"/>
+      </p:ext>
+    </p:extLst>
+  </p:cSld>
+  <p:clrMapOvr>
+    <a:masterClrMapping/>
+  </p:clrMapOvr>
+</p:sld>
+</file>
+
+<file path=ppt/slides/slide13.xml><?xml version="1.0" encoding="utf-8"?>
+<p:sld xmlns:a="http://schemas.openxmlformats.org/drawingml/2006/main" xmlns:r="http://schemas.openxmlformats.org/officeDocument/2006/relationships" xmlns:p="http://schemas.openxmlformats.org/presentationml/2006/main">
+  <p:cSld>
+    <p:spTree>
+      <p:nvGrpSpPr>
+        <p:cNvPr id="1" name="">
+          <a:extLst>
+            <a:ext uri="{FF2B5EF4-FFF2-40B4-BE49-F238E27FC236}">
+              <a16:creationId xmlns:a16="http://schemas.microsoft.com/office/drawing/2014/main" id="{3590F9EC-BCFD-513B-B748-327ECE356722}"/>
+            </a:ext>
+          </a:extLst>
+        </p:cNvPr>
+        <p:cNvGrpSpPr/>
+        <p:nvPr/>
+      </p:nvGrpSpPr>
+      <p:grpSpPr>
+        <a:xfrm>
+          <a:off x="0" y="0"/>
+          <a:ext cx="0" cy="0"/>
+          <a:chOff x="0" y="0"/>
+          <a:chExt cx="0" cy="0"/>
+        </a:xfrm>
+      </p:grpSpPr>
+      <p:cxnSp>
+        <p:nvCxnSpPr>
+          <p:cNvPr id="2" name="直接连接符 1">
+            <a:extLst>
+              <a:ext uri="{FF2B5EF4-FFF2-40B4-BE49-F238E27FC236}">
+                <a16:creationId xmlns:a16="http://schemas.microsoft.com/office/drawing/2014/main" id="{7C2C0D4E-0A5B-7E25-18BA-0E31C7E6C231}"/>
+              </a:ext>
+            </a:extLst>
+          </p:cNvPr>
+          <p:cNvCxnSpPr>
+            <a:stCxn id="3" idx="5"/>
+          </p:cNvCxnSpPr>
+          <p:nvPr/>
+        </p:nvCxnSpPr>
+        <p:spPr>
+          <a:xfrm>
+            <a:off x="-240720" y="477585"/>
+            <a:ext cx="9421232" cy="0"/>
+          </a:xfrm>
+          <a:prstGeom prst="line">
+            <a:avLst/>
+          </a:prstGeom>
+          <a:ln w="12700">
+            <a:solidFill>
+              <a:schemeClr val="accent1">
+                <a:lumMod val="50000"/>
+              </a:schemeClr>
+            </a:solidFill>
+          </a:ln>
+        </p:spPr>
+        <p:style>
+          <a:lnRef idx="1">
+            <a:schemeClr val="accent1"/>
+          </a:lnRef>
+          <a:fillRef idx="0">
+            <a:schemeClr val="accent1"/>
+          </a:fillRef>
+          <a:effectRef idx="0">
+            <a:schemeClr val="accent1"/>
+          </a:effectRef>
+          <a:fontRef idx="minor">
+            <a:schemeClr val="tx1"/>
+          </a:fontRef>
+        </p:style>
+      </p:cxnSp>
+      <p:sp>
+        <p:nvSpPr>
+          <p:cNvPr id="3" name="平行四边形 2">
+            <a:extLst>
+              <a:ext uri="{FF2B5EF4-FFF2-40B4-BE49-F238E27FC236}">
+                <a16:creationId xmlns:a16="http://schemas.microsoft.com/office/drawing/2014/main" id="{90770EF7-16FF-B4E9-505E-E8F65BB97E08}"/>
+              </a:ext>
+            </a:extLst>
+          </p:cNvPr>
+          <p:cNvSpPr/>
+          <p:nvPr/>
+        </p:nvSpPr>
+        <p:spPr>
+          <a:xfrm>
+            <a:off x="-324544" y="261561"/>
+            <a:ext cx="2664296" cy="432048"/>
+          </a:xfrm>
+          <a:prstGeom prst="parallelogram">
+            <a:avLst>
+              <a:gd name="adj" fmla="val 38803"/>
+            </a:avLst>
+          </a:prstGeom>
+          <a:solidFill>
+            <a:schemeClr val="accent1">
+              <a:lumMod val="50000"/>
+            </a:schemeClr>
+          </a:solidFill>
+          <a:ln>
+            <a:noFill/>
+          </a:ln>
+        </p:spPr>
+        <p:style>
+          <a:lnRef idx="2">
+            <a:schemeClr val="accent1">
+              <a:shade val="50000"/>
+            </a:schemeClr>
+          </a:lnRef>
+          <a:fillRef idx="1">
+            <a:schemeClr val="accent1"/>
+          </a:fillRef>
+          <a:effectRef idx="0">
+            <a:schemeClr val="accent1"/>
+          </a:effectRef>
+          <a:fontRef idx="minor">
+            <a:schemeClr val="lt1"/>
+          </a:fontRef>
+        </p:style>
+        <p:txBody>
+          <a:bodyPr rtlCol="0" anchor="ctr"/>
+          <a:lstStyle/>
+          <a:p>
+            <a:pPr algn="ctr"/>
+            <a:endParaRPr lang="zh-CN" altLang="en-US"/>
+          </a:p>
+        </p:txBody>
+      </p:sp>
+      <p:sp>
+        <p:nvSpPr>
+          <p:cNvPr id="14" name="矩形 13">
+            <a:extLst>
+              <a:ext uri="{FF2B5EF4-FFF2-40B4-BE49-F238E27FC236}">
+                <a16:creationId xmlns:a16="http://schemas.microsoft.com/office/drawing/2014/main" id="{CCBB0693-2789-1FC9-AD55-1C40D85D8F77}"/>
+              </a:ext>
+            </a:extLst>
+          </p:cNvPr>
+          <p:cNvSpPr/>
+          <p:nvPr/>
+        </p:nvSpPr>
+        <p:spPr>
+          <a:xfrm>
+            <a:off x="395536" y="319849"/>
+            <a:ext cx="1153246" cy="315471"/>
+          </a:xfrm>
+          <a:prstGeom prst="rect">
+            <a:avLst/>
+          </a:prstGeom>
+        </p:spPr>
+        <p:txBody>
+          <a:bodyPr wrap="square" lIns="68580" tIns="34290" rIns="68580" bIns="34290">
+            <a:spAutoFit/>
+          </a:bodyPr>
+          <a:lstStyle/>
+          <a:p>
+            <a:r>
+              <a:rPr lang="zh-CN" altLang="en-US" sz="1600" dirty="0">
+                <a:solidFill>
+                  <a:schemeClr val="bg1"/>
+                </a:solidFill>
+                <a:latin typeface="微软雅黑" panose="020B0503020204020204" pitchFamily="34" charset="-122"/>
+                <a:ea typeface="微软雅黑" panose="020B0503020204020204" pitchFamily="34" charset="-122"/>
+              </a:rPr>
+              <a:t>自定义规则</a:t>
+            </a:r>
+          </a:p>
+        </p:txBody>
+      </p:sp>
+      <p:sp>
+        <p:nvSpPr>
+          <p:cNvPr id="4" name="文本框 3">
+            <a:extLst>
+              <a:ext uri="{FF2B5EF4-FFF2-40B4-BE49-F238E27FC236}">
+                <a16:creationId xmlns:a16="http://schemas.microsoft.com/office/drawing/2014/main" id="{5920A3B1-D166-EC05-358C-F91891C96662}"/>
+              </a:ext>
+            </a:extLst>
+          </p:cNvPr>
+          <p:cNvSpPr txBox="1"/>
+          <p:nvPr/>
+        </p:nvSpPr>
+        <p:spPr>
+          <a:xfrm>
+            <a:off x="683568" y="911113"/>
+            <a:ext cx="7632848" cy="2308324"/>
+          </a:xfrm>
+          <a:prstGeom prst="rect">
+            <a:avLst/>
+          </a:prstGeom>
+          <a:noFill/>
+        </p:spPr>
+        <p:txBody>
+          <a:bodyPr wrap="square" rtlCol="0">
+            <a:spAutoFit/>
+          </a:bodyPr>
+          <a:lstStyle/>
+          <a:p>
+            <a:r>
+              <a:rPr lang="zh-CN" altLang="en-US" sz="2400" dirty="0"/>
+              <a:t>保留相关系数大于</a:t>
+            </a:r>
+            <a:r>
+              <a:rPr lang="en-US" altLang="zh-CN" sz="2400" dirty="0"/>
+              <a:t>0.2</a:t>
+            </a:r>
+            <a:r>
+              <a:rPr lang="zh-CN" altLang="en-US" sz="2400" dirty="0"/>
+              <a:t>的特征，它们分别是：</a:t>
+            </a:r>
+            <a:endParaRPr lang="en-US" altLang="zh-CN" sz="2400" dirty="0"/>
+          </a:p>
+          <a:p>
+            <a:r>
+              <a:rPr lang="en-US" altLang="zh-CN" sz="2400" dirty="0"/>
+              <a:t>{</a:t>
+            </a:r>
+          </a:p>
+          <a:p>
+            <a:pPr lvl="1"/>
+            <a:r>
+              <a:rPr lang="en-US" altLang="zh-CN" sz="2400" dirty="0">
+                <a:latin typeface="微软雅黑" panose="020B0503020204020204" pitchFamily="34" charset="-122"/>
+                <a:ea typeface="微软雅黑" panose="020B0503020204020204" pitchFamily="34" charset="-122"/>
+                <a:cs typeface="Times New Roman" panose="02020603050405020304" pitchFamily="18" charset="0"/>
+              </a:rPr>
+              <a:t>'</a:t>
+            </a:r>
+            <a:r>
+              <a:rPr lang="zh-CN" altLang="en-US" sz="2400" dirty="0">
+                <a:latin typeface="微软雅黑" panose="020B0503020204020204" pitchFamily="34" charset="-122"/>
+                <a:ea typeface="微软雅黑" panose="020B0503020204020204" pitchFamily="34" charset="-122"/>
+                <a:cs typeface="Times New Roman" panose="02020603050405020304" pitchFamily="18" charset="0"/>
+              </a:rPr>
+              <a:t>学术压力</a:t>
+            </a:r>
+            <a:r>
+              <a:rPr lang="en-US" altLang="zh-CN" sz="2400" dirty="0">
+                <a:latin typeface="微软雅黑" panose="020B0503020204020204" pitchFamily="34" charset="-122"/>
+                <a:ea typeface="微软雅黑" panose="020B0503020204020204" pitchFamily="34" charset="-122"/>
+                <a:cs typeface="Times New Roman" panose="02020603050405020304" pitchFamily="18" charset="0"/>
+              </a:rPr>
+              <a:t>': </a:t>
+            </a:r>
+            <a:r>
+              <a:rPr lang="en-US" altLang="zh-CN" sz="2400" dirty="0">
+                <a:latin typeface="+mn-ea"/>
+              </a:rPr>
+              <a:t>3.169375, </a:t>
+            </a:r>
+            <a:r>
+              <a:rPr lang="en-US" altLang="zh-CN" sz="2400" dirty="0">
+                <a:solidFill>
+                  <a:srgbClr val="00B050"/>
+                </a:solidFill>
+                <a:latin typeface="+mn-ea"/>
+              </a:rPr>
+              <a:t># </a:t>
+            </a:r>
+            <a:r>
+              <a:rPr lang="zh-CN" altLang="en-US" sz="2400" dirty="0">
+                <a:solidFill>
+                  <a:srgbClr val="00B050"/>
+                </a:solidFill>
+                <a:latin typeface="+mn-ea"/>
+              </a:rPr>
+              <a:t>均值</a:t>
+            </a:r>
+            <a:endParaRPr lang="en-US" altLang="zh-CN" sz="2400" dirty="0">
+              <a:solidFill>
+                <a:srgbClr val="00B050"/>
+              </a:solidFill>
+              <a:latin typeface="+mn-ea"/>
+            </a:endParaRPr>
+          </a:p>
+          <a:p>
+            <a:pPr lvl="1"/>
+            <a:r>
+              <a:rPr lang="en-US" altLang="zh-CN" sz="2400" dirty="0">
+                <a:latin typeface="微软雅黑" panose="020B0503020204020204" pitchFamily="34" charset="-122"/>
+                <a:ea typeface="微软雅黑" panose="020B0503020204020204" pitchFamily="34" charset="-122"/>
+                <a:cs typeface="Times New Roman" panose="02020603050405020304" pitchFamily="18" charset="0"/>
+              </a:rPr>
+              <a:t>'</a:t>
+            </a:r>
+            <a:r>
+              <a:rPr lang="zh-CN" altLang="en-US" sz="2400" dirty="0">
+                <a:latin typeface="微软雅黑" panose="020B0503020204020204" pitchFamily="34" charset="-122"/>
+                <a:ea typeface="微软雅黑" panose="020B0503020204020204" pitchFamily="34" charset="-122"/>
+                <a:cs typeface="Times New Roman" panose="02020603050405020304" pitchFamily="18" charset="0"/>
+              </a:rPr>
+              <a:t>经济压力</a:t>
+            </a:r>
+            <a:r>
+              <a:rPr lang="en-US" altLang="zh-CN" sz="2400" dirty="0">
+                <a:latin typeface="微软雅黑" panose="020B0503020204020204" pitchFamily="34" charset="-122"/>
+                <a:ea typeface="微软雅黑" panose="020B0503020204020204" pitchFamily="34" charset="-122"/>
+                <a:cs typeface="Times New Roman" panose="02020603050405020304" pitchFamily="18" charset="0"/>
+              </a:rPr>
+              <a:t>': </a:t>
+            </a:r>
+            <a:r>
+              <a:rPr lang="en-US" altLang="zh-CN" sz="2400" dirty="0">
+                <a:latin typeface="+mn-ea"/>
+              </a:rPr>
+              <a:t>3.119375, </a:t>
+            </a:r>
+            <a:r>
+              <a:rPr lang="en-US" altLang="zh-CN" sz="2400" dirty="0">
+                <a:solidFill>
+                  <a:srgbClr val="00B050"/>
+                </a:solidFill>
+                <a:latin typeface="+mn-ea"/>
+              </a:rPr>
+              <a:t># </a:t>
+            </a:r>
+            <a:r>
+              <a:rPr lang="zh-CN" altLang="en-US" sz="2400" dirty="0">
+                <a:solidFill>
+                  <a:srgbClr val="00B050"/>
+                </a:solidFill>
+                <a:latin typeface="+mn-ea"/>
+              </a:rPr>
+              <a:t>均值</a:t>
+            </a:r>
+            <a:endParaRPr lang="en-US" altLang="zh-CN" sz="2400" dirty="0">
+              <a:solidFill>
+                <a:srgbClr val="00B050"/>
+              </a:solidFill>
+              <a:latin typeface="+mn-ea"/>
+            </a:endParaRPr>
+          </a:p>
+          <a:p>
+            <a:pPr lvl="1"/>
+            <a:r>
+              <a:rPr lang="en-US" altLang="zh-CN" sz="2400" dirty="0">
+                <a:latin typeface="微软雅黑" panose="020B0503020204020204" pitchFamily="34" charset="-122"/>
+                <a:ea typeface="微软雅黑" panose="020B0503020204020204" pitchFamily="34" charset="-122"/>
+                <a:cs typeface="Times New Roman" panose="02020603050405020304" pitchFamily="18" charset="0"/>
+              </a:rPr>
+              <a:t>'</a:t>
+            </a:r>
+            <a:r>
+              <a:rPr lang="zh-CN" altLang="en-US" sz="2400" dirty="0">
+                <a:latin typeface="微软雅黑" panose="020B0503020204020204" pitchFamily="34" charset="-122"/>
+                <a:ea typeface="微软雅黑" panose="020B0503020204020204" pitchFamily="34" charset="-122"/>
+                <a:cs typeface="Times New Roman" panose="02020603050405020304" pitchFamily="18" charset="0"/>
+              </a:rPr>
+              <a:t>曾经有过自杀倾向</a:t>
+            </a:r>
+            <a:r>
+              <a:rPr lang="en-US" altLang="zh-CN" sz="2400" dirty="0">
+                <a:latin typeface="微软雅黑" panose="020B0503020204020204" pitchFamily="34" charset="-122"/>
+                <a:ea typeface="微软雅黑" panose="020B0503020204020204" pitchFamily="34" charset="-122"/>
+                <a:cs typeface="Times New Roman" panose="02020603050405020304" pitchFamily="18" charset="0"/>
+              </a:rPr>
+              <a:t>': </a:t>
+            </a:r>
+            <a:r>
+              <a:rPr lang="en-US" altLang="zh-CN" sz="2400" dirty="0">
+                <a:latin typeface="+mn-ea"/>
+              </a:rPr>
+              <a:t>1 </a:t>
+            </a:r>
+            <a:r>
+              <a:rPr lang="en-US" altLang="zh-CN" sz="2400" dirty="0">
+                <a:solidFill>
+                  <a:srgbClr val="00B050"/>
+                </a:solidFill>
+                <a:latin typeface="+mn-ea"/>
+              </a:rPr>
+              <a:t># </a:t>
+            </a:r>
+            <a:r>
+              <a:rPr lang="zh-CN" altLang="en-US" sz="2400" dirty="0">
+                <a:solidFill>
+                  <a:srgbClr val="00B050"/>
+                </a:solidFill>
+                <a:latin typeface="+mn-ea"/>
+              </a:rPr>
+              <a:t>曾经有过自杀倾向</a:t>
+            </a:r>
+            <a:endParaRPr lang="en-US" altLang="zh-CN" sz="2400" dirty="0">
+              <a:solidFill>
+                <a:srgbClr val="00B050"/>
+              </a:solidFill>
+              <a:latin typeface="+mn-ea"/>
+            </a:endParaRPr>
+          </a:p>
+          <a:p>
+            <a:r>
+              <a:rPr lang="en-US" altLang="zh-CN" sz="2400" dirty="0"/>
+              <a:t>}</a:t>
+            </a:r>
+            <a:endParaRPr lang="zh-CN" altLang="en-US" sz="2400" dirty="0"/>
+          </a:p>
+        </p:txBody>
+      </p:sp>
+      <p:sp>
+        <p:nvSpPr>
+          <p:cNvPr id="5" name="文本框 4">
+            <a:extLst>
+              <a:ext uri="{FF2B5EF4-FFF2-40B4-BE49-F238E27FC236}">
+                <a16:creationId xmlns:a16="http://schemas.microsoft.com/office/drawing/2014/main" id="{6027C3F1-5005-3635-4EDD-5A5DF37D19FB}"/>
+              </a:ext>
+            </a:extLst>
+          </p:cNvPr>
+          <p:cNvSpPr txBox="1"/>
+          <p:nvPr/>
+        </p:nvSpPr>
+        <p:spPr>
+          <a:xfrm>
+            <a:off x="683568" y="3362063"/>
+            <a:ext cx="7200800" cy="1938992"/>
+          </a:xfrm>
+          <a:prstGeom prst="rect">
+            <a:avLst/>
+          </a:prstGeom>
+          <a:noFill/>
+        </p:spPr>
+        <p:txBody>
+          <a:bodyPr wrap="square" rtlCol="0">
+            <a:spAutoFit/>
+          </a:bodyPr>
+          <a:lstStyle/>
+          <a:p>
+            <a:r>
+              <a:rPr lang="zh-CN" altLang="en-US" sz="2400" dirty="0"/>
+              <a:t>规则：</a:t>
+            </a:r>
+            <a:endParaRPr lang="en-US" altLang="zh-CN" sz="2400" dirty="0"/>
+          </a:p>
+          <a:p>
+            <a:pPr marL="342900" indent="-342900">
+              <a:buFont typeface="Arial" panose="020B0604020202020204" pitchFamily="34" charset="0"/>
+              <a:buChar char="•"/>
+            </a:pPr>
+            <a:r>
+              <a:rPr lang="zh-CN" altLang="en-US" sz="2400" dirty="0"/>
+              <a:t>学术压力 </a:t>
+            </a:r>
+            <a:r>
+              <a:rPr lang="en-US" altLang="zh-CN" sz="2400" dirty="0"/>
+              <a:t>&gt; </a:t>
+            </a:r>
+            <a:r>
+              <a:rPr lang="zh-CN" altLang="en-US" sz="2400" dirty="0"/>
+              <a:t>学术压力的均值</a:t>
+            </a:r>
+            <a:endParaRPr lang="en-US" altLang="zh-CN" sz="2400" dirty="0"/>
+          </a:p>
+          <a:p>
+            <a:pPr marL="342900" indent="-342900">
+              <a:buFont typeface="Arial" panose="020B0604020202020204" pitchFamily="34" charset="0"/>
+              <a:buChar char="•"/>
+            </a:pPr>
+            <a:r>
+              <a:rPr lang="zh-CN" altLang="en-US" sz="2400" dirty="0"/>
+              <a:t>经济压力 </a:t>
+            </a:r>
+            <a:r>
+              <a:rPr lang="en-US" altLang="zh-CN" sz="2400" dirty="0"/>
+              <a:t>&gt;</a:t>
+            </a:r>
+            <a:r>
+              <a:rPr lang="zh-CN" altLang="en-US" sz="2400" dirty="0"/>
+              <a:t>经济压力的均值</a:t>
+            </a:r>
+            <a:endParaRPr lang="en-US" altLang="zh-CN" sz="2400" dirty="0"/>
+          </a:p>
+          <a:p>
+            <a:pPr marL="342900" indent="-342900">
+              <a:buFont typeface="Arial" panose="020B0604020202020204" pitchFamily="34" charset="0"/>
+              <a:buChar char="•"/>
+            </a:pPr>
+            <a:r>
+              <a:rPr lang="zh-CN" altLang="en-US" sz="2400" dirty="0"/>
+              <a:t>曾经有过自杀倾向</a:t>
+            </a:r>
+          </a:p>
+          <a:p>
+            <a:pPr marL="342900" indent="-342900">
+              <a:buFont typeface="Arial" panose="020B0604020202020204" pitchFamily="34" charset="0"/>
+              <a:buChar char="•"/>
+            </a:pPr>
+            <a:endParaRPr lang="zh-CN" altLang="en-US" sz="2400" dirty="0"/>
+          </a:p>
+        </p:txBody>
+      </p:sp>
+    </p:spTree>
+    <p:extLst>
+      <p:ext uri="{BB962C8B-B14F-4D97-AF65-F5344CB8AC3E}">
+        <p14:creationId xmlns:p14="http://schemas.microsoft.com/office/powerpoint/2010/main" val="3404391157"/>
+      </p:ext>
+    </p:extLst>
+  </p:cSld>
+  <p:clrMapOvr>
+    <a:masterClrMapping/>
+  </p:clrMapOvr>
+</p:sld>
+</file>
+
+<file path=ppt/slides/slide14.xml><?xml version="1.0" encoding="utf-8"?>
+<p:sld xmlns:a="http://schemas.openxmlformats.org/drawingml/2006/main" xmlns:r="http://schemas.openxmlformats.org/officeDocument/2006/relationships" xmlns:p="http://schemas.openxmlformats.org/presentationml/2006/main">
+  <p:cSld>
+    <p:spTree>
+      <p:nvGrpSpPr>
+        <p:cNvPr id="1" name="">
+          <a:extLst>
+            <a:ext uri="{FF2B5EF4-FFF2-40B4-BE49-F238E27FC236}">
+              <a16:creationId xmlns:a16="http://schemas.microsoft.com/office/drawing/2014/main" id="{D5788D30-D104-26ED-4BAD-31F539679A8B}"/>
+            </a:ext>
+          </a:extLst>
+        </p:cNvPr>
+        <p:cNvGrpSpPr/>
+        <p:nvPr/>
+      </p:nvGrpSpPr>
+      <p:grpSpPr>
+        <a:xfrm>
+          <a:off x="0" y="0"/>
+          <a:ext cx="0" cy="0"/>
+          <a:chOff x="0" y="0"/>
+          <a:chExt cx="0" cy="0"/>
+        </a:xfrm>
+      </p:grpSpPr>
+      <p:cxnSp>
+        <p:nvCxnSpPr>
+          <p:cNvPr id="2" name="直接连接符 1">
+            <a:extLst>
+              <a:ext uri="{FF2B5EF4-FFF2-40B4-BE49-F238E27FC236}">
+                <a16:creationId xmlns:a16="http://schemas.microsoft.com/office/drawing/2014/main" id="{17B835F0-4EAA-2BF2-4129-B4E77E08D5E2}"/>
+              </a:ext>
+            </a:extLst>
+          </p:cNvPr>
+          <p:cNvCxnSpPr>
+            <a:stCxn id="3" idx="5"/>
+          </p:cNvCxnSpPr>
+          <p:nvPr/>
+        </p:nvCxnSpPr>
+        <p:spPr>
+          <a:xfrm>
+            <a:off x="-240720" y="477585"/>
+            <a:ext cx="9421232" cy="0"/>
+          </a:xfrm>
+          <a:prstGeom prst="line">
+            <a:avLst/>
+          </a:prstGeom>
+          <a:ln w="12700">
+            <a:solidFill>
+              <a:schemeClr val="accent1">
+                <a:lumMod val="50000"/>
+              </a:schemeClr>
+            </a:solidFill>
+          </a:ln>
+        </p:spPr>
+        <p:style>
+          <a:lnRef idx="1">
+            <a:schemeClr val="accent1"/>
+          </a:lnRef>
+          <a:fillRef idx="0">
+            <a:schemeClr val="accent1"/>
+          </a:fillRef>
+          <a:effectRef idx="0">
+            <a:schemeClr val="accent1"/>
+          </a:effectRef>
+          <a:fontRef idx="minor">
+            <a:schemeClr val="tx1"/>
+          </a:fontRef>
+        </p:style>
+      </p:cxnSp>
+      <p:sp>
+        <p:nvSpPr>
+          <p:cNvPr id="3" name="平行四边形 2">
+            <a:extLst>
+              <a:ext uri="{FF2B5EF4-FFF2-40B4-BE49-F238E27FC236}">
+                <a16:creationId xmlns:a16="http://schemas.microsoft.com/office/drawing/2014/main" id="{604B830E-3889-F259-9EAE-505C046112A2}"/>
+              </a:ext>
+            </a:extLst>
+          </p:cNvPr>
+          <p:cNvSpPr/>
+          <p:nvPr/>
+        </p:nvSpPr>
+        <p:spPr>
+          <a:xfrm>
+            <a:off x="-324544" y="261561"/>
+            <a:ext cx="2664296" cy="432048"/>
+          </a:xfrm>
+          <a:prstGeom prst="parallelogram">
+            <a:avLst>
+              <a:gd name="adj" fmla="val 38803"/>
+            </a:avLst>
+          </a:prstGeom>
+          <a:solidFill>
+            <a:schemeClr val="accent1">
+              <a:lumMod val="50000"/>
+            </a:schemeClr>
+          </a:solidFill>
+          <a:ln>
+            <a:noFill/>
+          </a:ln>
+        </p:spPr>
+        <p:style>
+          <a:lnRef idx="2">
+            <a:schemeClr val="accent1">
+              <a:shade val="50000"/>
+            </a:schemeClr>
+          </a:lnRef>
+          <a:fillRef idx="1">
+            <a:schemeClr val="accent1"/>
+          </a:fillRef>
+          <a:effectRef idx="0">
+            <a:schemeClr val="accent1"/>
+          </a:effectRef>
+          <a:fontRef idx="minor">
+            <a:schemeClr val="lt1"/>
+          </a:fontRef>
+        </p:style>
+        <p:txBody>
+          <a:bodyPr rtlCol="0" anchor="ctr"/>
+          <a:lstStyle/>
+          <a:p>
+            <a:pPr algn="ctr"/>
+            <a:endParaRPr lang="zh-CN" altLang="en-US"/>
+          </a:p>
+        </p:txBody>
+      </p:sp>
+      <p:sp>
+        <p:nvSpPr>
+          <p:cNvPr id="14" name="矩形 13">
+            <a:extLst>
+              <a:ext uri="{FF2B5EF4-FFF2-40B4-BE49-F238E27FC236}">
+                <a16:creationId xmlns:a16="http://schemas.microsoft.com/office/drawing/2014/main" id="{4A73B213-5661-C450-884F-7A23756C0EE9}"/>
+              </a:ext>
+            </a:extLst>
+          </p:cNvPr>
+          <p:cNvSpPr/>
+          <p:nvPr/>
+        </p:nvSpPr>
+        <p:spPr>
+          <a:xfrm>
+            <a:off x="395536" y="329155"/>
+            <a:ext cx="1296144" cy="315471"/>
+          </a:xfrm>
+          <a:prstGeom prst="rect">
+            <a:avLst/>
+          </a:prstGeom>
+        </p:spPr>
+        <p:txBody>
+          <a:bodyPr wrap="square" lIns="68580" tIns="34290" rIns="68580" bIns="34290">
+            <a:spAutoFit/>
+          </a:bodyPr>
+          <a:lstStyle/>
+          <a:p>
+            <a:r>
+              <a:rPr lang="zh-CN" altLang="en-US" sz="1600" dirty="0">
+                <a:solidFill>
+                  <a:schemeClr val="bg1"/>
+                </a:solidFill>
+                <a:latin typeface="微软雅黑" panose="020B0503020204020204" pitchFamily="34" charset="-122"/>
+                <a:ea typeface="微软雅黑" panose="020B0503020204020204" pitchFamily="34" charset="-122"/>
+              </a:rPr>
+              <a:t>预测准确率</a:t>
+            </a:r>
+          </a:p>
+        </p:txBody>
+      </p:sp>
+      <p:pic>
+        <p:nvPicPr>
+          <p:cNvPr id="7" name="图片 6">
+            <a:extLst>
+              <a:ext uri="{FF2B5EF4-FFF2-40B4-BE49-F238E27FC236}">
+                <a16:creationId xmlns:a16="http://schemas.microsoft.com/office/drawing/2014/main" id="{518A4C19-93B7-8834-080A-DA14F7E2BE54}"/>
+              </a:ext>
+            </a:extLst>
+          </p:cNvPr>
+          <p:cNvPicPr>
+            <a:picLocks noChangeAspect="1"/>
+          </p:cNvPicPr>
+          <p:nvPr/>
+        </p:nvPicPr>
+        <p:blipFill>
+          <a:blip r:embed="rId2"/>
+          <a:stretch>
+            <a:fillRect/>
+          </a:stretch>
+        </p:blipFill>
+        <p:spPr>
+          <a:xfrm>
+            <a:off x="264930" y="860650"/>
+            <a:ext cx="8614139" cy="3953695"/>
+          </a:xfrm>
+          <a:prstGeom prst="rect">
+            <a:avLst/>
+          </a:prstGeom>
+        </p:spPr>
+      </p:pic>
+    </p:spTree>
+    <p:extLst>
+      <p:ext uri="{BB962C8B-B14F-4D97-AF65-F5344CB8AC3E}">
+        <p14:creationId xmlns:p14="http://schemas.microsoft.com/office/powerpoint/2010/main" val="2600179544"/>
+      </p:ext>
+    </p:extLst>
+  </p:cSld>
+  <p:clrMapOvr>
+    <a:masterClrMapping/>
+  </p:clrMapOvr>
+</p:sld>
+</file>
+
+<file path=ppt/slides/slide15.xml><?xml version="1.0" encoding="utf-8"?>
+<p:sld xmlns:a="http://schemas.openxmlformats.org/drawingml/2006/main" xmlns:r="http://schemas.openxmlformats.org/officeDocument/2006/relationships" xmlns:p="http://schemas.openxmlformats.org/presentationml/2006/main">
+  <p:cSld>
+    <p:spTree>
+      <p:nvGrpSpPr>
+        <p:cNvPr id="1" name="">
+          <a:extLst>
+            <a:ext uri="{FF2B5EF4-FFF2-40B4-BE49-F238E27FC236}">
+              <a16:creationId xmlns:a16="http://schemas.microsoft.com/office/drawing/2014/main" id="{C177D7EE-29CE-AA44-1429-CB2AE17B601D}"/>
+            </a:ext>
+          </a:extLst>
+        </p:cNvPr>
+        <p:cNvGrpSpPr/>
+        <p:nvPr/>
+      </p:nvGrpSpPr>
+      <p:grpSpPr>
+        <a:xfrm>
+          <a:off x="0" y="0"/>
+          <a:ext cx="0" cy="0"/>
+          <a:chOff x="0" y="0"/>
+          <a:chExt cx="0" cy="0"/>
+        </a:xfrm>
+      </p:grpSpPr>
+      <p:cxnSp>
+        <p:nvCxnSpPr>
+          <p:cNvPr id="2" name="直接连接符 1">
+            <a:extLst>
+              <a:ext uri="{FF2B5EF4-FFF2-40B4-BE49-F238E27FC236}">
+                <a16:creationId xmlns:a16="http://schemas.microsoft.com/office/drawing/2014/main" id="{5927EE22-48C8-3CAD-1B36-D0B2FF7D9058}"/>
+              </a:ext>
+            </a:extLst>
+          </p:cNvPr>
+          <p:cNvCxnSpPr>
+            <a:stCxn id="3" idx="5"/>
+          </p:cNvCxnSpPr>
+          <p:nvPr/>
+        </p:nvCxnSpPr>
+        <p:spPr>
+          <a:xfrm>
+            <a:off x="-240720" y="477585"/>
+            <a:ext cx="9421232" cy="0"/>
+          </a:xfrm>
+          <a:prstGeom prst="line">
+            <a:avLst/>
+          </a:prstGeom>
+          <a:ln w="12700">
+            <a:solidFill>
+              <a:schemeClr val="accent1">
+                <a:lumMod val="50000"/>
+              </a:schemeClr>
+            </a:solidFill>
+          </a:ln>
+        </p:spPr>
+        <p:style>
+          <a:lnRef idx="1">
+            <a:schemeClr val="accent1"/>
+          </a:lnRef>
+          <a:fillRef idx="0">
+            <a:schemeClr val="accent1"/>
+          </a:fillRef>
+          <a:effectRef idx="0">
+            <a:schemeClr val="accent1"/>
+          </a:effectRef>
+          <a:fontRef idx="minor">
+            <a:schemeClr val="tx1"/>
+          </a:fontRef>
+        </p:style>
+      </p:cxnSp>
+      <p:sp>
+        <p:nvSpPr>
+          <p:cNvPr id="3" name="平行四边形 2">
+            <a:extLst>
+              <a:ext uri="{FF2B5EF4-FFF2-40B4-BE49-F238E27FC236}">
+                <a16:creationId xmlns:a16="http://schemas.microsoft.com/office/drawing/2014/main" id="{F7011F95-B368-2E24-DACB-DA8D4A5A6613}"/>
+              </a:ext>
+            </a:extLst>
+          </p:cNvPr>
+          <p:cNvSpPr/>
+          <p:nvPr/>
+        </p:nvSpPr>
+        <p:spPr>
+          <a:xfrm>
+            <a:off x="-324544" y="261561"/>
+            <a:ext cx="2664296" cy="432048"/>
+          </a:xfrm>
+          <a:prstGeom prst="parallelogram">
+            <a:avLst>
+              <a:gd name="adj" fmla="val 38803"/>
+            </a:avLst>
+          </a:prstGeom>
+          <a:solidFill>
+            <a:schemeClr val="accent1">
+              <a:lumMod val="50000"/>
+            </a:schemeClr>
+          </a:solidFill>
+          <a:ln>
+            <a:noFill/>
+          </a:ln>
+        </p:spPr>
+        <p:style>
+          <a:lnRef idx="2">
+            <a:schemeClr val="accent1">
+              <a:shade val="50000"/>
+            </a:schemeClr>
+          </a:lnRef>
+          <a:fillRef idx="1">
+            <a:schemeClr val="accent1"/>
+          </a:fillRef>
+          <a:effectRef idx="0">
+            <a:schemeClr val="accent1"/>
+          </a:effectRef>
+          <a:fontRef idx="minor">
+            <a:schemeClr val="lt1"/>
+          </a:fontRef>
+        </p:style>
+        <p:txBody>
+          <a:bodyPr rtlCol="0" anchor="ctr"/>
+          <a:lstStyle/>
+          <a:p>
+            <a:pPr algn="ctr"/>
+            <a:endParaRPr lang="zh-CN" altLang="en-US"/>
+          </a:p>
+        </p:txBody>
+      </p:sp>
+      <p:sp>
+        <p:nvSpPr>
+          <p:cNvPr id="14" name="矩形 13">
+            <a:extLst>
+              <a:ext uri="{FF2B5EF4-FFF2-40B4-BE49-F238E27FC236}">
+                <a16:creationId xmlns:a16="http://schemas.microsoft.com/office/drawing/2014/main" id="{F2159BC5-98D1-ADB4-EE3D-FDAD5D86F84D}"/>
+              </a:ext>
+            </a:extLst>
+          </p:cNvPr>
+          <p:cNvSpPr/>
+          <p:nvPr/>
+        </p:nvSpPr>
+        <p:spPr>
+          <a:xfrm>
+            <a:off x="395536" y="329155"/>
+            <a:ext cx="1296144" cy="315471"/>
+          </a:xfrm>
+          <a:prstGeom prst="rect">
+            <a:avLst/>
+          </a:prstGeom>
+        </p:spPr>
+        <p:txBody>
+          <a:bodyPr wrap="square" lIns="68580" tIns="34290" rIns="68580" bIns="34290">
+            <a:spAutoFit/>
+          </a:bodyPr>
+          <a:lstStyle/>
+          <a:p>
+            <a:r>
+              <a:rPr lang="en-US" altLang="zh-CN" sz="1600" dirty="0">
+                <a:solidFill>
+                  <a:schemeClr val="bg1"/>
+                </a:solidFill>
+                <a:latin typeface="微软雅黑" panose="020B0503020204020204" pitchFamily="34" charset="-122"/>
+                <a:ea typeface="微软雅黑" panose="020B0503020204020204" pitchFamily="34" charset="-122"/>
+              </a:rPr>
+              <a:t>K</a:t>
+            </a:r>
+            <a:r>
+              <a:rPr lang="zh-CN" altLang="en-US" sz="1600" dirty="0">
+                <a:solidFill>
+                  <a:schemeClr val="bg1"/>
+                </a:solidFill>
+                <a:latin typeface="微软雅黑" panose="020B0503020204020204" pitchFamily="34" charset="-122"/>
+                <a:ea typeface="微软雅黑" panose="020B0503020204020204" pitchFamily="34" charset="-122"/>
+              </a:rPr>
+              <a:t>临近准确率</a:t>
+            </a:r>
+          </a:p>
+        </p:txBody>
+      </p:sp>
+      <p:pic>
+        <p:nvPicPr>
+          <p:cNvPr id="5" name="图片 4">
+            <a:extLst>
+              <a:ext uri="{FF2B5EF4-FFF2-40B4-BE49-F238E27FC236}">
+                <a16:creationId xmlns:a16="http://schemas.microsoft.com/office/drawing/2014/main" id="{34299E1C-6C51-FDC5-B786-A91A424A7F0F}"/>
+              </a:ext>
+            </a:extLst>
+          </p:cNvPr>
+          <p:cNvPicPr>
+            <a:picLocks noChangeAspect="1"/>
+          </p:cNvPicPr>
+          <p:nvPr/>
+        </p:nvPicPr>
+        <p:blipFill>
+          <a:blip r:embed="rId2"/>
+          <a:stretch>
+            <a:fillRect/>
+          </a:stretch>
+        </p:blipFill>
+        <p:spPr>
+          <a:xfrm>
+            <a:off x="1552306" y="1563638"/>
+            <a:ext cx="6039387" cy="3480038"/>
+          </a:xfrm>
+          <a:prstGeom prst="rect">
+            <a:avLst/>
+          </a:prstGeom>
+        </p:spPr>
+      </p:pic>
+      <p:sp>
+        <p:nvSpPr>
+          <p:cNvPr id="6" name="文本框 5">
+            <a:extLst>
+              <a:ext uri="{FF2B5EF4-FFF2-40B4-BE49-F238E27FC236}">
+                <a16:creationId xmlns:a16="http://schemas.microsoft.com/office/drawing/2014/main" id="{3C97D610-F2DF-A2C4-3DDD-524B5B56F1F8}"/>
+              </a:ext>
+            </a:extLst>
+          </p:cNvPr>
+          <p:cNvSpPr txBox="1"/>
+          <p:nvPr/>
+        </p:nvSpPr>
+        <p:spPr>
+          <a:xfrm>
+            <a:off x="1693999" y="909633"/>
+            <a:ext cx="5755999" cy="738664"/>
+          </a:xfrm>
+          <a:prstGeom prst="rect">
+            <a:avLst/>
+          </a:prstGeom>
+          <a:noFill/>
+        </p:spPr>
+        <p:txBody>
+          <a:bodyPr wrap="square" rtlCol="0">
+            <a:spAutoFit/>
+          </a:bodyPr>
+          <a:lstStyle/>
+          <a:p>
+            <a:r>
+              <a:rPr lang="zh-CN" altLang="en-US" sz="2400" b="0" dirty="0">
+                <a:effectLst/>
+                <a:latin typeface="JetBrains Mono" panose="02000009000000000000" pitchFamily="49" charset="0"/>
+              </a:rPr>
+              <a:t>计算每个类别的精确率、召回率、</a:t>
+            </a:r>
+            <a:r>
+              <a:rPr lang="en-US" altLang="zh-CN" sz="2400" b="0" dirty="0">
+                <a:effectLst/>
+                <a:latin typeface="JetBrains Mono" panose="02000009000000000000" pitchFamily="49" charset="0"/>
+              </a:rPr>
+              <a:t>F1 </a:t>
+            </a:r>
+            <a:r>
+              <a:rPr lang="zh-CN" altLang="en-US" sz="2400" b="0" dirty="0">
+                <a:effectLst/>
+                <a:latin typeface="JetBrains Mono" panose="02000009000000000000" pitchFamily="49" charset="0"/>
+              </a:rPr>
+              <a:t>值</a:t>
+            </a:r>
+          </a:p>
+          <a:p>
+            <a:endParaRPr lang="zh-CN" altLang="en-US" dirty="0"/>
+          </a:p>
+        </p:txBody>
+      </p:sp>
+    </p:spTree>
+    <p:extLst>
+      <p:ext uri="{BB962C8B-B14F-4D97-AF65-F5344CB8AC3E}">
+        <p14:creationId xmlns:p14="http://schemas.microsoft.com/office/powerpoint/2010/main" val="1812781253"/>
+      </p:ext>
+    </p:extLst>
+  </p:cSld>
+  <p:clrMapOvr>
+    <a:masterClrMapping/>
+  </p:clrMapOvr>
+</p:sld>
+</file>
+
+<file path=ppt/slides/slide16.xml><?xml version="1.0" encoding="utf-8"?>
+<p:sld xmlns:a="http://schemas.openxmlformats.org/drawingml/2006/main" xmlns:r="http://schemas.openxmlformats.org/officeDocument/2006/relationships" xmlns:p="http://schemas.openxmlformats.org/presentationml/2006/main">
+  <p:cSld>
+    <p:spTree>
+      <p:nvGrpSpPr>
+        <p:cNvPr id="1" name="">
+          <a:extLst>
+            <a:ext uri="{FF2B5EF4-FFF2-40B4-BE49-F238E27FC236}">
+              <a16:creationId xmlns:a16="http://schemas.microsoft.com/office/drawing/2014/main" id="{59135B1B-6A54-1D4B-A18E-40B13609805B}"/>
+            </a:ext>
+          </a:extLst>
+        </p:cNvPr>
+        <p:cNvGrpSpPr/>
+        <p:nvPr/>
+      </p:nvGrpSpPr>
+      <p:grpSpPr>
+        <a:xfrm>
+          <a:off x="0" y="0"/>
+          <a:ext cx="0" cy="0"/>
+          <a:chOff x="0" y="0"/>
+          <a:chExt cx="0" cy="0"/>
+        </a:xfrm>
+      </p:grpSpPr>
+      <p:cxnSp>
+        <p:nvCxnSpPr>
+          <p:cNvPr id="2" name="直接连接符 1">
+            <a:extLst>
+              <a:ext uri="{FF2B5EF4-FFF2-40B4-BE49-F238E27FC236}">
+                <a16:creationId xmlns:a16="http://schemas.microsoft.com/office/drawing/2014/main" id="{52F95745-C0CA-7C01-E2B0-350C1FE5C5F4}"/>
+              </a:ext>
+            </a:extLst>
+          </p:cNvPr>
+          <p:cNvCxnSpPr>
+            <a:stCxn id="3" idx="5"/>
+          </p:cNvCxnSpPr>
+          <p:nvPr/>
+        </p:nvCxnSpPr>
+        <p:spPr>
+          <a:xfrm>
+            <a:off x="-240720" y="477585"/>
+            <a:ext cx="9421232" cy="0"/>
+          </a:xfrm>
+          <a:prstGeom prst="line">
+            <a:avLst/>
+          </a:prstGeom>
+          <a:ln w="12700">
+            <a:solidFill>
+              <a:schemeClr val="accent1">
+                <a:lumMod val="50000"/>
+              </a:schemeClr>
+            </a:solidFill>
+          </a:ln>
+        </p:spPr>
+        <p:style>
+          <a:lnRef idx="1">
+            <a:schemeClr val="accent1"/>
+          </a:lnRef>
+          <a:fillRef idx="0">
+            <a:schemeClr val="accent1"/>
+          </a:fillRef>
+          <a:effectRef idx="0">
+            <a:schemeClr val="accent1"/>
+          </a:effectRef>
+          <a:fontRef idx="minor">
+            <a:schemeClr val="tx1"/>
+          </a:fontRef>
+        </p:style>
+      </p:cxnSp>
+      <p:sp>
+        <p:nvSpPr>
+          <p:cNvPr id="3" name="平行四边形 2">
+            <a:extLst>
+              <a:ext uri="{FF2B5EF4-FFF2-40B4-BE49-F238E27FC236}">
+                <a16:creationId xmlns:a16="http://schemas.microsoft.com/office/drawing/2014/main" id="{A72F20F1-1587-B6DF-2AC8-8A82CEA5182A}"/>
+              </a:ext>
+            </a:extLst>
+          </p:cNvPr>
+          <p:cNvSpPr/>
+          <p:nvPr/>
+        </p:nvSpPr>
+        <p:spPr>
+          <a:xfrm>
+            <a:off x="-324544" y="261561"/>
+            <a:ext cx="2664296" cy="432048"/>
+          </a:xfrm>
+          <a:prstGeom prst="parallelogram">
+            <a:avLst>
+              <a:gd name="adj" fmla="val 38803"/>
+            </a:avLst>
+          </a:prstGeom>
+          <a:solidFill>
+            <a:schemeClr val="accent1">
+              <a:lumMod val="50000"/>
+            </a:schemeClr>
+          </a:solidFill>
+          <a:ln>
+            <a:noFill/>
+          </a:ln>
+        </p:spPr>
+        <p:style>
+          <a:lnRef idx="2">
+            <a:schemeClr val="accent1">
+              <a:shade val="50000"/>
+            </a:schemeClr>
+          </a:lnRef>
+          <a:fillRef idx="1">
+            <a:schemeClr val="accent1"/>
+          </a:fillRef>
+          <a:effectRef idx="0">
+            <a:schemeClr val="accent1"/>
+          </a:effectRef>
+          <a:fontRef idx="minor">
+            <a:schemeClr val="lt1"/>
+          </a:fontRef>
+        </p:style>
+        <p:txBody>
+          <a:bodyPr rtlCol="0" anchor="ctr"/>
+          <a:lstStyle/>
+          <a:p>
+            <a:pPr algn="ctr"/>
+            <a:endParaRPr lang="zh-CN" altLang="en-US"/>
+          </a:p>
+        </p:txBody>
+      </p:sp>
+      <p:sp>
+        <p:nvSpPr>
+          <p:cNvPr id="14" name="矩形 13">
+            <a:extLst>
+              <a:ext uri="{FF2B5EF4-FFF2-40B4-BE49-F238E27FC236}">
+                <a16:creationId xmlns:a16="http://schemas.microsoft.com/office/drawing/2014/main" id="{E8943475-1FFB-59D4-AC28-E2A16798A11B}"/>
+              </a:ext>
+            </a:extLst>
+          </p:cNvPr>
+          <p:cNvSpPr/>
+          <p:nvPr/>
+        </p:nvSpPr>
+        <p:spPr>
+          <a:xfrm>
+            <a:off x="395536" y="329155"/>
+            <a:ext cx="1440160" cy="315471"/>
+          </a:xfrm>
+          <a:prstGeom prst="rect">
+            <a:avLst/>
+          </a:prstGeom>
+        </p:spPr>
+        <p:txBody>
+          <a:bodyPr wrap="square" lIns="68580" tIns="34290" rIns="68580" bIns="34290">
+            <a:spAutoFit/>
+          </a:bodyPr>
+          <a:lstStyle/>
+          <a:p>
+            <a:r>
+              <a:rPr lang="zh-CN" altLang="en-US" sz="1600" dirty="0">
+                <a:solidFill>
+                  <a:schemeClr val="bg1"/>
+                </a:solidFill>
+                <a:latin typeface="微软雅黑" panose="020B0503020204020204" pitchFamily="34" charset="-122"/>
+                <a:ea typeface="微软雅黑" panose="020B0503020204020204" pitchFamily="34" charset="-122"/>
+              </a:rPr>
+              <a:t>贝叶斯准确率</a:t>
+            </a:r>
+          </a:p>
+        </p:txBody>
+      </p:sp>
+      <p:pic>
+        <p:nvPicPr>
+          <p:cNvPr id="9" name="图片 8">
+            <a:extLst>
+              <a:ext uri="{FF2B5EF4-FFF2-40B4-BE49-F238E27FC236}">
+                <a16:creationId xmlns:a16="http://schemas.microsoft.com/office/drawing/2014/main" id="{413CF518-561B-733D-DC47-82EFF21FB698}"/>
+              </a:ext>
+            </a:extLst>
+          </p:cNvPr>
+          <p:cNvPicPr>
+            <a:picLocks noChangeAspect="1"/>
+          </p:cNvPicPr>
+          <p:nvPr/>
+        </p:nvPicPr>
+        <p:blipFill>
+          <a:blip r:embed="rId2"/>
+          <a:stretch>
+            <a:fillRect/>
+          </a:stretch>
+        </p:blipFill>
+        <p:spPr>
+          <a:xfrm>
+            <a:off x="1984249" y="878787"/>
+            <a:ext cx="4971294" cy="3367284"/>
+          </a:xfrm>
+          <a:prstGeom prst="rect">
+            <a:avLst/>
+          </a:prstGeom>
+        </p:spPr>
+      </p:pic>
+      <p:sp>
+        <p:nvSpPr>
+          <p:cNvPr id="10" name="文本框 9">
+            <a:extLst>
+              <a:ext uri="{FF2B5EF4-FFF2-40B4-BE49-F238E27FC236}">
+                <a16:creationId xmlns:a16="http://schemas.microsoft.com/office/drawing/2014/main" id="{72F55CDA-AA91-AB56-053F-E60B74269F2E}"/>
+              </a:ext>
+            </a:extLst>
+          </p:cNvPr>
+          <p:cNvSpPr txBox="1"/>
+          <p:nvPr/>
+        </p:nvSpPr>
+        <p:spPr>
+          <a:xfrm>
+            <a:off x="503802" y="4435082"/>
+            <a:ext cx="8136396" cy="461665"/>
+          </a:xfrm>
+          <a:prstGeom prst="rect">
+            <a:avLst/>
+          </a:prstGeom>
+          <a:noFill/>
+        </p:spPr>
+        <p:txBody>
+          <a:bodyPr wrap="square" rtlCol="0">
+            <a:spAutoFit/>
+          </a:bodyPr>
+          <a:lstStyle/>
+          <a:p>
+            <a:r>
+              <a:rPr lang="zh-CN" altLang="en-US" sz="2400" dirty="0"/>
+              <a:t>总结：与其他模型相比，贝叶斯模型与决策树的准确率最高</a:t>
+            </a:r>
+          </a:p>
+        </p:txBody>
+      </p:sp>
+    </p:spTree>
+    <p:extLst>
+      <p:ext uri="{BB962C8B-B14F-4D97-AF65-F5344CB8AC3E}">
+        <p14:creationId xmlns:p14="http://schemas.microsoft.com/office/powerpoint/2010/main" val="1365968649"/>
+      </p:ext>
+    </p:extLst>
+  </p:cSld>
+  <p:clrMapOvr>
+    <a:masterClrMapping/>
+  </p:clrMapOvr>
+</p:sld>
+</file>
+
 <file path=ppt/slides/slide2.xml><?xml version="1.0" encoding="utf-8"?>
 <p:sld xmlns:a="http://schemas.openxmlformats.org/drawingml/2006/main" xmlns:r="http://schemas.openxmlformats.org/officeDocument/2006/relationships" xmlns:p="http://schemas.openxmlformats.org/presentationml/2006/main">
   <p:cSld>
@@ -5395,7 +7426,7 @@
         <p:spPr>
           <a:xfrm>
             <a:off x="558948" y="3867894"/>
-            <a:ext cx="2736304" cy="369332"/>
+            <a:ext cx="3364980" cy="461665"/>
           </a:xfrm>
           <a:prstGeom prst="rect">
             <a:avLst/>
@@ -5409,7 +7440,7 @@
           <a:lstStyle/>
           <a:p>
             <a:r>
-              <a:rPr lang="zh-CN" altLang="en-US" dirty="0"/>
+              <a:rPr lang="zh-CN" altLang="en-US" sz="2400" dirty="0"/>
               <a:t>这里只展示一部分数据</a:t>
             </a:r>
           </a:p>
@@ -5463,6 +7494,264 @@
   <p:cSld>
     <p:spTree>
       <p:nvGrpSpPr>
+        <p:cNvPr id="1" name="">
+          <a:extLst>
+            <a:ext uri="{FF2B5EF4-FFF2-40B4-BE49-F238E27FC236}">
+              <a16:creationId xmlns:a16="http://schemas.microsoft.com/office/drawing/2014/main" id="{131DF5B9-861E-19C4-E554-038317CE90B6}"/>
+            </a:ext>
+          </a:extLst>
+        </p:cNvPr>
+        <p:cNvGrpSpPr/>
+        <p:nvPr/>
+      </p:nvGrpSpPr>
+      <p:grpSpPr>
+        <a:xfrm>
+          <a:off x="0" y="0"/>
+          <a:ext cx="0" cy="0"/>
+          <a:chOff x="0" y="0"/>
+          <a:chExt cx="0" cy="0"/>
+        </a:xfrm>
+      </p:grpSpPr>
+      <p:cxnSp>
+        <p:nvCxnSpPr>
+          <p:cNvPr id="4" name="直接连接符 3">
+            <a:extLst>
+              <a:ext uri="{FF2B5EF4-FFF2-40B4-BE49-F238E27FC236}">
+                <a16:creationId xmlns:a16="http://schemas.microsoft.com/office/drawing/2014/main" id="{0296FBD8-CB1B-235B-0145-A9A208C1B8B9}"/>
+              </a:ext>
+            </a:extLst>
+          </p:cNvPr>
+          <p:cNvCxnSpPr>
+            <a:stCxn id="2" idx="5"/>
+          </p:cNvCxnSpPr>
+          <p:nvPr/>
+        </p:nvCxnSpPr>
+        <p:spPr>
+          <a:xfrm>
+            <a:off x="-240720" y="477585"/>
+            <a:ext cx="9421232" cy="0"/>
+          </a:xfrm>
+          <a:prstGeom prst="line">
+            <a:avLst/>
+          </a:prstGeom>
+          <a:ln w="12700">
+            <a:solidFill>
+              <a:schemeClr val="accent1">
+                <a:lumMod val="50000"/>
+              </a:schemeClr>
+            </a:solidFill>
+          </a:ln>
+        </p:spPr>
+        <p:style>
+          <a:lnRef idx="1">
+            <a:schemeClr val="accent1"/>
+          </a:lnRef>
+          <a:fillRef idx="0">
+            <a:schemeClr val="accent1"/>
+          </a:fillRef>
+          <a:effectRef idx="0">
+            <a:schemeClr val="accent1"/>
+          </a:effectRef>
+          <a:fontRef idx="minor">
+            <a:schemeClr val="tx1"/>
+          </a:fontRef>
+        </p:style>
+      </p:cxnSp>
+      <p:sp>
+        <p:nvSpPr>
+          <p:cNvPr id="2" name="平行四边形 1">
+            <a:extLst>
+              <a:ext uri="{FF2B5EF4-FFF2-40B4-BE49-F238E27FC236}">
+                <a16:creationId xmlns:a16="http://schemas.microsoft.com/office/drawing/2014/main" id="{7F495B55-8DC0-FDBF-9F7B-4F5A072A4D63}"/>
+              </a:ext>
+            </a:extLst>
+          </p:cNvPr>
+          <p:cNvSpPr/>
+          <p:nvPr/>
+        </p:nvSpPr>
+        <p:spPr>
+          <a:xfrm>
+            <a:off x="-324544" y="261561"/>
+            <a:ext cx="2664296" cy="432048"/>
+          </a:xfrm>
+          <a:prstGeom prst="parallelogram">
+            <a:avLst>
+              <a:gd name="adj" fmla="val 38803"/>
+            </a:avLst>
+          </a:prstGeom>
+          <a:solidFill>
+            <a:schemeClr val="accent1">
+              <a:lumMod val="50000"/>
+            </a:schemeClr>
+          </a:solidFill>
+          <a:ln>
+            <a:noFill/>
+          </a:ln>
+        </p:spPr>
+        <p:style>
+          <a:lnRef idx="2">
+            <a:schemeClr val="accent1">
+              <a:shade val="50000"/>
+            </a:schemeClr>
+          </a:lnRef>
+          <a:fillRef idx="1">
+            <a:schemeClr val="accent1"/>
+          </a:fillRef>
+          <a:effectRef idx="0">
+            <a:schemeClr val="accent1"/>
+          </a:effectRef>
+          <a:fontRef idx="minor">
+            <a:schemeClr val="lt1"/>
+          </a:fontRef>
+        </p:style>
+        <p:txBody>
+          <a:bodyPr rtlCol="0" anchor="ctr"/>
+          <a:lstStyle/>
+          <a:p>
+            <a:pPr algn="ctr"/>
+            <a:endParaRPr lang="zh-CN" altLang="en-US"/>
+          </a:p>
+        </p:txBody>
+      </p:sp>
+      <p:sp>
+        <p:nvSpPr>
+          <p:cNvPr id="12" name="矩形 11">
+            <a:extLst>
+              <a:ext uri="{FF2B5EF4-FFF2-40B4-BE49-F238E27FC236}">
+                <a16:creationId xmlns:a16="http://schemas.microsoft.com/office/drawing/2014/main" id="{F65C1E46-59C2-31F8-8247-97E140E22327}"/>
+              </a:ext>
+            </a:extLst>
+          </p:cNvPr>
+          <p:cNvSpPr/>
+          <p:nvPr/>
+        </p:nvSpPr>
+        <p:spPr>
+          <a:xfrm>
+            <a:off x="359532" y="319849"/>
+            <a:ext cx="1296144" cy="315471"/>
+          </a:xfrm>
+          <a:prstGeom prst="rect">
+            <a:avLst/>
+          </a:prstGeom>
+        </p:spPr>
+        <p:txBody>
+          <a:bodyPr wrap="square" lIns="68580" tIns="34290" rIns="68580" bIns="34290">
+            <a:spAutoFit/>
+          </a:bodyPr>
+          <a:lstStyle/>
+          <a:p>
+            <a:r>
+              <a:rPr lang="zh-CN" altLang="en-US" sz="1600" dirty="0">
+                <a:solidFill>
+                  <a:schemeClr val="bg1"/>
+                </a:solidFill>
+                <a:latin typeface="微软雅黑" panose="020B0503020204020204" pitchFamily="34" charset="-122"/>
+                <a:ea typeface="微软雅黑" panose="020B0503020204020204" pitchFamily="34" charset="-122"/>
+              </a:rPr>
+              <a:t>数据预处理</a:t>
+            </a:r>
+          </a:p>
+        </p:txBody>
+      </p:sp>
+      <p:sp>
+        <p:nvSpPr>
+          <p:cNvPr id="8" name="文本框 7">
+            <a:extLst>
+              <a:ext uri="{FF2B5EF4-FFF2-40B4-BE49-F238E27FC236}">
+                <a16:creationId xmlns:a16="http://schemas.microsoft.com/office/drawing/2014/main" id="{2386BE8C-D7A6-80DF-F0D9-7FE5C44DBFE1}"/>
+              </a:ext>
+            </a:extLst>
+          </p:cNvPr>
+          <p:cNvSpPr txBox="1"/>
+          <p:nvPr/>
+        </p:nvSpPr>
+        <p:spPr>
+          <a:xfrm>
+            <a:off x="558948" y="3867894"/>
+            <a:ext cx="7757468" cy="830997"/>
+          </a:xfrm>
+          <a:prstGeom prst="rect">
+            <a:avLst/>
+          </a:prstGeom>
+          <a:noFill/>
+        </p:spPr>
+        <p:txBody>
+          <a:bodyPr wrap="square" rtlCol="0">
+            <a:spAutoFit/>
+          </a:bodyPr>
+          <a:lstStyle/>
+          <a:p>
+            <a:r>
+              <a:rPr lang="zh-CN" altLang="en-US" sz="2400" dirty="0"/>
+              <a:t>原始数据经处理后，生成</a:t>
+            </a:r>
+            <a:r>
+              <a:rPr lang="en-US" altLang="zh-CN" sz="2400" dirty="0"/>
+              <a:t>2000</a:t>
+            </a:r>
+            <a:r>
+              <a:rPr lang="zh-CN" altLang="en-US" sz="2400" dirty="0"/>
+              <a:t>条数据，每条数据包含</a:t>
+            </a:r>
+            <a:r>
+              <a:rPr lang="en-US" altLang="zh-CN" sz="2400" dirty="0"/>
+              <a:t>7</a:t>
+            </a:r>
+            <a:r>
+              <a:rPr lang="zh-CN" altLang="en-US" sz="2400" dirty="0"/>
+              <a:t>个属性，以及最终预测结果。</a:t>
+            </a:r>
+          </a:p>
+        </p:txBody>
+      </p:sp>
+      <p:pic>
+        <p:nvPicPr>
+          <p:cNvPr id="5" name="图片 4">
+            <a:extLst>
+              <a:ext uri="{FF2B5EF4-FFF2-40B4-BE49-F238E27FC236}">
+                <a16:creationId xmlns:a16="http://schemas.microsoft.com/office/drawing/2014/main" id="{7BF19286-25EC-D200-0575-D1698379EBBD}"/>
+              </a:ext>
+            </a:extLst>
+          </p:cNvPr>
+          <p:cNvPicPr>
+            <a:picLocks noChangeAspect="1"/>
+          </p:cNvPicPr>
+          <p:nvPr/>
+        </p:nvPicPr>
+        <p:blipFill>
+          <a:blip r:embed="rId3"/>
+          <a:stretch>
+            <a:fillRect/>
+          </a:stretch>
+        </p:blipFill>
+        <p:spPr>
+          <a:xfrm>
+            <a:off x="395130" y="906274"/>
+            <a:ext cx="8353740" cy="2863137"/>
+          </a:xfrm>
+          <a:prstGeom prst="rect">
+            <a:avLst/>
+          </a:prstGeom>
+        </p:spPr>
+      </p:pic>
+    </p:spTree>
+    <p:extLst>
+      <p:ext uri="{BB962C8B-B14F-4D97-AF65-F5344CB8AC3E}">
+        <p14:creationId xmlns:p14="http://schemas.microsoft.com/office/powerpoint/2010/main" val="2140821984"/>
+      </p:ext>
+    </p:extLst>
+  </p:cSld>
+  <p:clrMapOvr>
+    <a:masterClrMapping/>
+  </p:clrMapOvr>
+</p:sld>
+</file>
+
+<file path=ppt/slides/slide6.xml><?xml version="1.0" encoding="utf-8"?>
+<p:sld xmlns:a="http://schemas.openxmlformats.org/drawingml/2006/main" xmlns:r="http://schemas.openxmlformats.org/officeDocument/2006/relationships" xmlns:p="http://schemas.openxmlformats.org/presentationml/2006/main">
+  <p:cSld>
+    <p:spTree>
+      <p:nvGrpSpPr>
         <p:cNvPr id="1" name=""/>
         <p:cNvGrpSpPr/>
         <p:nvPr/>
@@ -5788,7 +8077,606 @@
 </p:sld>
 </file>
 
-<file path=ppt/slides/slide6.xml><?xml version="1.0" encoding="utf-8"?>
+<file path=ppt/slides/slide7.xml><?xml version="1.0" encoding="utf-8"?>
+<p:sld xmlns:a="http://schemas.openxmlformats.org/drawingml/2006/main" xmlns:r="http://schemas.openxmlformats.org/officeDocument/2006/relationships" xmlns:p="http://schemas.openxmlformats.org/presentationml/2006/main">
+  <p:cSld>
+    <p:spTree>
+      <p:nvGrpSpPr>
+        <p:cNvPr id="1" name=""/>
+        <p:cNvGrpSpPr/>
+        <p:nvPr/>
+      </p:nvGrpSpPr>
+      <p:grpSpPr>
+        <a:xfrm>
+          <a:off x="0" y="0"/>
+          <a:ext cx="0" cy="0"/>
+          <a:chOff x="0" y="0"/>
+          <a:chExt cx="0" cy="0"/>
+        </a:xfrm>
+      </p:grpSpPr>
+      <p:cxnSp>
+        <p:nvCxnSpPr>
+          <p:cNvPr id="2" name="直接连接符 1"/>
+          <p:cNvCxnSpPr>
+            <a:stCxn id="3" idx="5"/>
+          </p:cNvCxnSpPr>
+          <p:nvPr/>
+        </p:nvCxnSpPr>
+        <p:spPr>
+          <a:xfrm>
+            <a:off x="-240720" y="477585"/>
+            <a:ext cx="9421232" cy="0"/>
+          </a:xfrm>
+          <a:prstGeom prst="line">
+            <a:avLst/>
+          </a:prstGeom>
+          <a:ln w="12700">
+            <a:solidFill>
+              <a:schemeClr val="accent1">
+                <a:lumMod val="50000"/>
+              </a:schemeClr>
+            </a:solidFill>
+          </a:ln>
+        </p:spPr>
+        <p:style>
+          <a:lnRef idx="1">
+            <a:schemeClr val="accent1"/>
+          </a:lnRef>
+          <a:fillRef idx="0">
+            <a:schemeClr val="accent1"/>
+          </a:fillRef>
+          <a:effectRef idx="0">
+            <a:schemeClr val="accent1"/>
+          </a:effectRef>
+          <a:fontRef idx="minor">
+            <a:schemeClr val="tx1"/>
+          </a:fontRef>
+        </p:style>
+      </p:cxnSp>
+      <p:sp>
+        <p:nvSpPr>
+          <p:cNvPr id="3" name="平行四边形 2"/>
+          <p:cNvSpPr/>
+          <p:nvPr/>
+        </p:nvSpPr>
+        <p:spPr>
+          <a:xfrm>
+            <a:off x="-324544" y="261561"/>
+            <a:ext cx="2664296" cy="432048"/>
+          </a:xfrm>
+          <a:prstGeom prst="parallelogram">
+            <a:avLst>
+              <a:gd name="adj" fmla="val 38803"/>
+            </a:avLst>
+          </a:prstGeom>
+          <a:solidFill>
+            <a:schemeClr val="accent1">
+              <a:lumMod val="50000"/>
+            </a:schemeClr>
+          </a:solidFill>
+          <a:ln>
+            <a:noFill/>
+          </a:ln>
+        </p:spPr>
+        <p:style>
+          <a:lnRef idx="2">
+            <a:schemeClr val="accent1">
+              <a:shade val="50000"/>
+            </a:schemeClr>
+          </a:lnRef>
+          <a:fillRef idx="1">
+            <a:schemeClr val="accent1"/>
+          </a:fillRef>
+          <a:effectRef idx="0">
+            <a:schemeClr val="accent1"/>
+          </a:effectRef>
+          <a:fontRef idx="minor">
+            <a:schemeClr val="lt1"/>
+          </a:fontRef>
+        </p:style>
+        <p:txBody>
+          <a:bodyPr rtlCol="0" anchor="ctr"/>
+          <a:lstStyle/>
+          <a:p>
+            <a:pPr algn="ctr"/>
+            <a:endParaRPr lang="zh-CN" altLang="en-US"/>
+          </a:p>
+        </p:txBody>
+      </p:sp>
+      <p:sp>
+        <p:nvSpPr>
+          <p:cNvPr id="11" name="TextBox 10"/>
+          <p:cNvSpPr txBox="1"/>
+          <p:nvPr/>
+        </p:nvSpPr>
+        <p:spPr>
+          <a:xfrm>
+            <a:off x="1027843" y="1144592"/>
+            <a:ext cx="1743957" cy="400110"/>
+          </a:xfrm>
+          <a:prstGeom prst="rect">
+            <a:avLst/>
+          </a:prstGeom>
+          <a:noFill/>
+        </p:spPr>
+        <p:txBody>
+          <a:bodyPr wrap="square" rtlCol="0">
+            <a:spAutoFit/>
+          </a:bodyPr>
+          <a:lstStyle/>
+          <a:p>
+            <a:r>
+              <a:rPr lang="zh-CN" altLang="en-US" sz="2000" b="1" dirty="0">
+                <a:solidFill>
+                  <a:schemeClr val="tx1">
+                    <a:lumMod val="85000"/>
+                    <a:lumOff val="15000"/>
+                  </a:schemeClr>
+                </a:solidFill>
+                <a:latin typeface="微软雅黑" panose="020B0503020204020204" pitchFamily="34" charset="-122"/>
+                <a:ea typeface="微软雅黑" panose="020B0503020204020204" pitchFamily="34" charset="-122"/>
+              </a:rPr>
+              <a:t>数据信息汇总</a:t>
+            </a:r>
+          </a:p>
+        </p:txBody>
+      </p:sp>
+      <p:sp>
+        <p:nvSpPr>
+          <p:cNvPr id="14" name="矩形 13"/>
+          <p:cNvSpPr/>
+          <p:nvPr/>
+        </p:nvSpPr>
+        <p:spPr>
+          <a:xfrm>
+            <a:off x="393300" y="319849"/>
+            <a:ext cx="1224136" cy="315471"/>
+          </a:xfrm>
+          <a:prstGeom prst="rect">
+            <a:avLst/>
+          </a:prstGeom>
+        </p:spPr>
+        <p:txBody>
+          <a:bodyPr wrap="square" lIns="68580" tIns="34290" rIns="68580" bIns="34290">
+            <a:spAutoFit/>
+          </a:bodyPr>
+          <a:lstStyle/>
+          <a:p>
+            <a:r>
+              <a:rPr lang="zh-CN" altLang="en-US" sz="1600" dirty="0">
+                <a:solidFill>
+                  <a:schemeClr val="bg1"/>
+                </a:solidFill>
+                <a:latin typeface="微软雅黑" panose="020B0503020204020204" pitchFamily="34" charset="-122"/>
+                <a:ea typeface="微软雅黑" panose="020B0503020204020204" pitchFamily="34" charset="-122"/>
+              </a:rPr>
+              <a:t>汇总信息</a:t>
+            </a:r>
+          </a:p>
+        </p:txBody>
+      </p:sp>
+      <p:pic>
+        <p:nvPicPr>
+          <p:cNvPr id="5" name="图片 4">
+            <a:extLst>
+              <a:ext uri="{FF2B5EF4-FFF2-40B4-BE49-F238E27FC236}">
+                <a16:creationId xmlns:a16="http://schemas.microsoft.com/office/drawing/2014/main" id="{5B993731-DF0D-8B3F-0249-4BC3CE66A784}"/>
+              </a:ext>
+            </a:extLst>
+          </p:cNvPr>
+          <p:cNvPicPr>
+            <a:picLocks noChangeAspect="1"/>
+          </p:cNvPicPr>
+          <p:nvPr/>
+        </p:nvPicPr>
+        <p:blipFill>
+          <a:blip r:embed="rId2"/>
+          <a:stretch>
+            <a:fillRect/>
+          </a:stretch>
+        </p:blipFill>
+        <p:spPr>
+          <a:xfrm>
+            <a:off x="141524" y="1779662"/>
+            <a:ext cx="8892481" cy="2077076"/>
+          </a:xfrm>
+          <a:prstGeom prst="rect">
+            <a:avLst/>
+          </a:prstGeom>
+        </p:spPr>
+      </p:pic>
+    </p:spTree>
+  </p:cSld>
+  <p:clrMapOvr>
+    <a:masterClrMapping/>
+  </p:clrMapOvr>
+</p:sld>
+</file>
+
+<file path=ppt/slides/slide8.xml><?xml version="1.0" encoding="utf-8"?>
+<p:sld xmlns:a="http://schemas.openxmlformats.org/drawingml/2006/main" xmlns:r="http://schemas.openxmlformats.org/officeDocument/2006/relationships" xmlns:p="http://schemas.openxmlformats.org/presentationml/2006/main">
+  <p:cSld>
+    <p:spTree>
+      <p:nvGrpSpPr>
+        <p:cNvPr id="1" name="">
+          <a:extLst>
+            <a:ext uri="{FF2B5EF4-FFF2-40B4-BE49-F238E27FC236}">
+              <a16:creationId xmlns:a16="http://schemas.microsoft.com/office/drawing/2014/main" id="{FF90418C-F1C8-D7E0-B988-08E931AA61C7}"/>
+            </a:ext>
+          </a:extLst>
+        </p:cNvPr>
+        <p:cNvGrpSpPr/>
+        <p:nvPr/>
+      </p:nvGrpSpPr>
+      <p:grpSpPr>
+        <a:xfrm>
+          <a:off x="0" y="0"/>
+          <a:ext cx="0" cy="0"/>
+          <a:chOff x="0" y="0"/>
+          <a:chExt cx="0" cy="0"/>
+        </a:xfrm>
+      </p:grpSpPr>
+      <p:sp>
+        <p:nvSpPr>
+          <p:cNvPr id="8" name="平行四边形 7">
+            <a:extLst>
+              <a:ext uri="{FF2B5EF4-FFF2-40B4-BE49-F238E27FC236}">
+                <a16:creationId xmlns:a16="http://schemas.microsoft.com/office/drawing/2014/main" id="{DDD14429-E3ED-53F7-21AC-9A432D16A081}"/>
+              </a:ext>
+            </a:extLst>
+          </p:cNvPr>
+          <p:cNvSpPr/>
+          <p:nvPr/>
+        </p:nvSpPr>
+        <p:spPr>
+          <a:xfrm>
+            <a:off x="1568896" y="2028181"/>
+            <a:ext cx="8729879" cy="2141291"/>
+          </a:xfrm>
+          <a:prstGeom prst="parallelogram">
+            <a:avLst/>
+          </a:prstGeom>
+          <a:solidFill>
+            <a:schemeClr val="accent1">
+              <a:lumMod val="50000"/>
+              <a:alpha val="29000"/>
+            </a:schemeClr>
+          </a:solidFill>
+          <a:ln>
+            <a:noFill/>
+          </a:ln>
+        </p:spPr>
+        <p:style>
+          <a:lnRef idx="2">
+            <a:schemeClr val="accent1">
+              <a:shade val="50000"/>
+            </a:schemeClr>
+          </a:lnRef>
+          <a:fillRef idx="1">
+            <a:schemeClr val="accent1"/>
+          </a:fillRef>
+          <a:effectRef idx="0">
+            <a:schemeClr val="accent1"/>
+          </a:effectRef>
+          <a:fontRef idx="minor">
+            <a:schemeClr val="lt1"/>
+          </a:fontRef>
+        </p:style>
+        <p:txBody>
+          <a:bodyPr rtlCol="0" anchor="ctr"/>
+          <a:lstStyle/>
+          <a:p>
+            <a:pPr algn="ctr"/>
+            <a:endParaRPr lang="zh-CN" altLang="en-US"/>
+          </a:p>
+        </p:txBody>
+      </p:sp>
+      <p:sp>
+        <p:nvSpPr>
+          <p:cNvPr id="9" name="平行四边形 8">
+            <a:extLst>
+              <a:ext uri="{FF2B5EF4-FFF2-40B4-BE49-F238E27FC236}">
+                <a16:creationId xmlns:a16="http://schemas.microsoft.com/office/drawing/2014/main" id="{DCA07858-617E-7CB1-7686-5A3E1A9FE94C}"/>
+              </a:ext>
+            </a:extLst>
+          </p:cNvPr>
+          <p:cNvSpPr/>
+          <p:nvPr/>
+        </p:nvSpPr>
+        <p:spPr>
+          <a:xfrm>
+            <a:off x="1695887" y="1942626"/>
+            <a:ext cx="8729879" cy="2141291"/>
+          </a:xfrm>
+          <a:prstGeom prst="parallelogram">
+            <a:avLst/>
+          </a:prstGeom>
+          <a:solidFill>
+            <a:schemeClr val="accent1">
+              <a:lumMod val="50000"/>
+            </a:schemeClr>
+          </a:solidFill>
+          <a:ln>
+            <a:noFill/>
+          </a:ln>
+        </p:spPr>
+        <p:style>
+          <a:lnRef idx="2">
+            <a:schemeClr val="accent1">
+              <a:shade val="50000"/>
+            </a:schemeClr>
+          </a:lnRef>
+          <a:fillRef idx="1">
+            <a:schemeClr val="accent1"/>
+          </a:fillRef>
+          <a:effectRef idx="0">
+            <a:schemeClr val="accent1"/>
+          </a:effectRef>
+          <a:fontRef idx="minor">
+            <a:schemeClr val="lt1"/>
+          </a:fontRef>
+        </p:style>
+        <p:txBody>
+          <a:bodyPr rtlCol="0" anchor="ctr"/>
+          <a:lstStyle/>
+          <a:p>
+            <a:pPr algn="ctr"/>
+            <a:endParaRPr lang="zh-CN" altLang="en-US" sz="2800"/>
+          </a:p>
+        </p:txBody>
+      </p:sp>
+      <p:sp>
+        <p:nvSpPr>
+          <p:cNvPr id="10" name="平行四边形 9">
+            <a:extLst>
+              <a:ext uri="{FF2B5EF4-FFF2-40B4-BE49-F238E27FC236}">
+                <a16:creationId xmlns:a16="http://schemas.microsoft.com/office/drawing/2014/main" id="{7835BC90-7501-5F32-E895-EFA537183A52}"/>
+              </a:ext>
+            </a:extLst>
+          </p:cNvPr>
+          <p:cNvSpPr/>
+          <p:nvPr/>
+        </p:nvSpPr>
+        <p:spPr>
+          <a:xfrm>
+            <a:off x="-972616" y="1294555"/>
+            <a:ext cx="3168352" cy="1872208"/>
+          </a:xfrm>
+          <a:prstGeom prst="parallelogram">
+            <a:avLst/>
+          </a:prstGeom>
+          <a:solidFill>
+            <a:schemeClr val="accent1">
+              <a:lumMod val="50000"/>
+            </a:schemeClr>
+          </a:solidFill>
+          <a:ln>
+            <a:noFill/>
+          </a:ln>
+        </p:spPr>
+        <p:style>
+          <a:lnRef idx="2">
+            <a:schemeClr val="accent1">
+              <a:shade val="50000"/>
+            </a:schemeClr>
+          </a:lnRef>
+          <a:fillRef idx="1">
+            <a:schemeClr val="accent1"/>
+          </a:fillRef>
+          <a:effectRef idx="0">
+            <a:schemeClr val="accent1"/>
+          </a:effectRef>
+          <a:fontRef idx="minor">
+            <a:schemeClr val="lt1"/>
+          </a:fontRef>
+        </p:style>
+        <p:txBody>
+          <a:bodyPr rtlCol="0" anchor="ctr"/>
+          <a:lstStyle/>
+          <a:p>
+            <a:pPr algn="ctr"/>
+            <a:endParaRPr lang="zh-CN" altLang="en-US"/>
+          </a:p>
+        </p:txBody>
+      </p:sp>
+      <p:sp>
+        <p:nvSpPr>
+          <p:cNvPr id="7" name="矩形 6">
+            <a:extLst>
+              <a:ext uri="{FF2B5EF4-FFF2-40B4-BE49-F238E27FC236}">
+                <a16:creationId xmlns:a16="http://schemas.microsoft.com/office/drawing/2014/main" id="{3996C16A-6F11-EC51-FE7F-495AA379E0BD}"/>
+              </a:ext>
+            </a:extLst>
+          </p:cNvPr>
+          <p:cNvSpPr/>
+          <p:nvPr/>
+        </p:nvSpPr>
+        <p:spPr>
+          <a:xfrm>
+            <a:off x="3468538" y="2494514"/>
+            <a:ext cx="2183582" cy="684803"/>
+          </a:xfrm>
+          <a:prstGeom prst="rect">
+            <a:avLst/>
+          </a:prstGeom>
+        </p:spPr>
+        <p:txBody>
+          <a:bodyPr wrap="square" lIns="68580" tIns="34290" rIns="68580" bIns="34290">
+            <a:spAutoFit/>
+          </a:bodyPr>
+          <a:lstStyle/>
+          <a:p>
+            <a:r>
+              <a:rPr lang="zh-CN" altLang="en-US" sz="4000" b="1" dirty="0">
+                <a:solidFill>
+                  <a:schemeClr val="bg1"/>
+                </a:solidFill>
+                <a:latin typeface="微软雅黑" panose="020B0503020204020204" pitchFamily="34" charset="-122"/>
+                <a:ea typeface="微软雅黑" panose="020B0503020204020204" pitchFamily="34" charset="-122"/>
+              </a:rPr>
+              <a:t>预测模型</a:t>
+            </a:r>
+          </a:p>
+        </p:txBody>
+      </p:sp>
+      <p:sp>
+        <p:nvSpPr>
+          <p:cNvPr id="11" name="椭圆 10">
+            <a:extLst>
+              <a:ext uri="{FF2B5EF4-FFF2-40B4-BE49-F238E27FC236}">
+                <a16:creationId xmlns:a16="http://schemas.microsoft.com/office/drawing/2014/main" id="{3E6C63DF-1BDE-35B7-CF01-7A12493080A0}"/>
+              </a:ext>
+            </a:extLst>
+          </p:cNvPr>
+          <p:cNvSpPr/>
+          <p:nvPr/>
+        </p:nvSpPr>
+        <p:spPr>
+          <a:xfrm>
+            <a:off x="1115616" y="2071676"/>
+            <a:ext cx="1530481" cy="1530481"/>
+          </a:xfrm>
+          <a:prstGeom prst="ellipse">
+            <a:avLst/>
+          </a:prstGeom>
+          <a:solidFill>
+            <a:schemeClr val="accent1">
+              <a:lumMod val="50000"/>
+            </a:schemeClr>
+          </a:solidFill>
+          <a:ln>
+            <a:solidFill>
+              <a:schemeClr val="bg1"/>
+            </a:solidFill>
+          </a:ln>
+        </p:spPr>
+        <p:style>
+          <a:lnRef idx="2">
+            <a:schemeClr val="accent1">
+              <a:shade val="50000"/>
+            </a:schemeClr>
+          </a:lnRef>
+          <a:fillRef idx="1">
+            <a:schemeClr val="accent1"/>
+          </a:fillRef>
+          <a:effectRef idx="0">
+            <a:schemeClr val="accent1"/>
+          </a:effectRef>
+          <a:fontRef idx="minor">
+            <a:schemeClr val="lt1"/>
+          </a:fontRef>
+        </p:style>
+        <p:txBody>
+          <a:bodyPr rtlCol="0" anchor="ctr"/>
+          <a:lstStyle/>
+          <a:p>
+            <a:pPr algn="ctr"/>
+            <a:endParaRPr lang="zh-CN" altLang="en-US"/>
+          </a:p>
+        </p:txBody>
+      </p:sp>
+      <p:sp>
+        <p:nvSpPr>
+          <p:cNvPr id="12" name="矩形 11">
+            <a:extLst>
+              <a:ext uri="{FF2B5EF4-FFF2-40B4-BE49-F238E27FC236}">
+                <a16:creationId xmlns:a16="http://schemas.microsoft.com/office/drawing/2014/main" id="{22C1B398-ECF6-027A-B78C-719EE804CF27}"/>
+              </a:ext>
+            </a:extLst>
+          </p:cNvPr>
+          <p:cNvSpPr/>
+          <p:nvPr/>
+        </p:nvSpPr>
+        <p:spPr>
+          <a:xfrm>
+            <a:off x="1424880" y="2355726"/>
+            <a:ext cx="986880" cy="900246"/>
+          </a:xfrm>
+          <a:prstGeom prst="rect">
+            <a:avLst/>
+          </a:prstGeom>
+        </p:spPr>
+        <p:txBody>
+          <a:bodyPr wrap="square" lIns="68580" tIns="34290" rIns="68580" bIns="34290">
+            <a:spAutoFit/>
+          </a:bodyPr>
+          <a:lstStyle/>
+          <a:p>
+            <a:r>
+              <a:rPr lang="en-US" altLang="zh-CN" sz="5400" b="1" dirty="0">
+                <a:solidFill>
+                  <a:schemeClr val="bg1"/>
+                </a:solidFill>
+                <a:latin typeface="微软雅黑" panose="020B0503020204020204" pitchFamily="34" charset="-122"/>
+                <a:ea typeface="微软雅黑" panose="020B0503020204020204" pitchFamily="34" charset="-122"/>
+              </a:rPr>
+              <a:t>03</a:t>
+            </a:r>
+            <a:endParaRPr lang="zh-CN" altLang="en-US" sz="5400" b="1" dirty="0">
+              <a:solidFill>
+                <a:schemeClr val="bg1"/>
+              </a:solidFill>
+              <a:latin typeface="微软雅黑" panose="020B0503020204020204" pitchFamily="34" charset="-122"/>
+              <a:ea typeface="微软雅黑" panose="020B0503020204020204" pitchFamily="34" charset="-122"/>
+            </a:endParaRPr>
+          </a:p>
+        </p:txBody>
+      </p:sp>
+      <p:cxnSp>
+        <p:nvCxnSpPr>
+          <p:cNvPr id="19" name="直接连接符 18">
+            <a:extLst>
+              <a:ext uri="{FF2B5EF4-FFF2-40B4-BE49-F238E27FC236}">
+                <a16:creationId xmlns:a16="http://schemas.microsoft.com/office/drawing/2014/main" id="{8229AB4C-9BF8-2BD2-5F9D-DF955486630D}"/>
+              </a:ext>
+            </a:extLst>
+          </p:cNvPr>
+          <p:cNvCxnSpPr/>
+          <p:nvPr/>
+        </p:nvCxnSpPr>
+        <p:spPr>
+          <a:xfrm>
+            <a:off x="3468538" y="3363838"/>
+            <a:ext cx="3551734" cy="0"/>
+          </a:xfrm>
+          <a:prstGeom prst="line">
+            <a:avLst/>
+          </a:prstGeom>
+          <a:ln>
+            <a:solidFill>
+              <a:schemeClr val="bg1"/>
+            </a:solidFill>
+          </a:ln>
+        </p:spPr>
+        <p:style>
+          <a:lnRef idx="1">
+            <a:schemeClr val="accent1"/>
+          </a:lnRef>
+          <a:fillRef idx="0">
+            <a:schemeClr val="accent1"/>
+          </a:fillRef>
+          <a:effectRef idx="0">
+            <a:schemeClr val="accent1"/>
+          </a:effectRef>
+          <a:fontRef idx="minor">
+            <a:schemeClr val="tx1"/>
+          </a:fontRef>
+        </p:style>
+      </p:cxnSp>
+    </p:spTree>
+    <p:extLst>
+      <p:ext uri="{BB962C8B-B14F-4D97-AF65-F5344CB8AC3E}">
+        <p14:creationId xmlns:p14="http://schemas.microsoft.com/office/powerpoint/2010/main" val="2307516370"/>
+      </p:ext>
+    </p:extLst>
+  </p:cSld>
+  <p:clrMapOvr>
+    <a:masterClrMapping/>
+  </p:clrMapOvr>
+</p:sld>
+</file>
+
+<file path=ppt/slides/slide9.xml><?xml version="1.0" encoding="utf-8"?>
 <p:sld xmlns:a="http://schemas.openxmlformats.org/drawingml/2006/main" xmlns:r="http://schemas.openxmlformats.org/officeDocument/2006/relationships" xmlns:p="http://schemas.openxmlformats.org/presentationml/2006/main">
   <p:cSld>
     <p:spTree>
@@ -5947,17 +8835,17 @@
                 <a:latin typeface="微软雅黑" panose="020B0503020204020204" pitchFamily="34" charset="-122"/>
                 <a:ea typeface="微软雅黑" panose="020B0503020204020204" pitchFamily="34" charset="-122"/>
               </a:rPr>
-              <a:t>模型准确性</a:t>
+              <a:t>决策树模型</a:t>
             </a:r>
           </a:p>
         </p:txBody>
       </p:sp>
       <p:pic>
         <p:nvPicPr>
-          <p:cNvPr id="5" name="图片 4">
+          <p:cNvPr id="6" name="图片 5">
             <a:extLst>
               <a:ext uri="{FF2B5EF4-FFF2-40B4-BE49-F238E27FC236}">
-                <a16:creationId xmlns:a16="http://schemas.microsoft.com/office/drawing/2014/main" id="{D86CA466-9807-E5FF-4284-0D9E27FB7A7E}"/>
+                <a16:creationId xmlns:a16="http://schemas.microsoft.com/office/drawing/2014/main" id="{958DFB25-C9CE-2E8E-5BF7-8C18202B6F1A}"/>
               </a:ext>
             </a:extLst>
           </p:cNvPr>
@@ -5974,8 +8862,8 @@
         </p:blipFill>
         <p:spPr>
           <a:xfrm>
-            <a:off x="593812" y="1203598"/>
-            <a:ext cx="7956376" cy="3318653"/>
+            <a:off x="449796" y="1170925"/>
+            <a:ext cx="8244408" cy="3305108"/>
           </a:xfrm>
           <a:prstGeom prst="rect">
             <a:avLst/>
@@ -5988,435 +8876,6 @@
         <p14:creationId xmlns:p14="http://schemas.microsoft.com/office/powerpoint/2010/main" val="2892324919"/>
       </p:ext>
     </p:extLst>
-  </p:cSld>
-  <p:clrMapOvr>
-    <a:masterClrMapping/>
-  </p:clrMapOvr>
-</p:sld>
-</file>
-
-<file path=ppt/slides/slide7.xml><?xml version="1.0" encoding="utf-8"?>
-<p:sld xmlns:a="http://schemas.openxmlformats.org/drawingml/2006/main" xmlns:r="http://schemas.openxmlformats.org/officeDocument/2006/relationships" xmlns:p="http://schemas.openxmlformats.org/presentationml/2006/main">
-  <p:cSld>
-    <p:spTree>
-      <p:nvGrpSpPr>
-        <p:cNvPr id="1" name="">
-          <a:extLst>
-            <a:ext uri="{FF2B5EF4-FFF2-40B4-BE49-F238E27FC236}">
-              <a16:creationId xmlns:a16="http://schemas.microsoft.com/office/drawing/2014/main" id="{B7F5FC13-BF9C-684C-A7E0-0667490A0A66}"/>
-            </a:ext>
-          </a:extLst>
-        </p:cNvPr>
-        <p:cNvGrpSpPr/>
-        <p:nvPr/>
-      </p:nvGrpSpPr>
-      <p:grpSpPr>
-        <a:xfrm>
-          <a:off x="0" y="0"/>
-          <a:ext cx="0" cy="0"/>
-          <a:chOff x="0" y="0"/>
-          <a:chExt cx="0" cy="0"/>
-        </a:xfrm>
-      </p:grpSpPr>
-      <p:cxnSp>
-        <p:nvCxnSpPr>
-          <p:cNvPr id="2" name="直接连接符 1">
-            <a:extLst>
-              <a:ext uri="{FF2B5EF4-FFF2-40B4-BE49-F238E27FC236}">
-                <a16:creationId xmlns:a16="http://schemas.microsoft.com/office/drawing/2014/main" id="{9E1BEE83-8DDA-70C9-3103-83A8B0805F3F}"/>
-              </a:ext>
-            </a:extLst>
-          </p:cNvPr>
-          <p:cNvCxnSpPr>
-            <a:stCxn id="3" idx="5"/>
-          </p:cNvCxnSpPr>
-          <p:nvPr/>
-        </p:nvCxnSpPr>
-        <p:spPr>
-          <a:xfrm>
-            <a:off x="-240720" y="477585"/>
-            <a:ext cx="9421232" cy="0"/>
-          </a:xfrm>
-          <a:prstGeom prst="line">
-            <a:avLst/>
-          </a:prstGeom>
-          <a:ln w="12700">
-            <a:solidFill>
-              <a:schemeClr val="accent1">
-                <a:lumMod val="50000"/>
-              </a:schemeClr>
-            </a:solidFill>
-          </a:ln>
-        </p:spPr>
-        <p:style>
-          <a:lnRef idx="1">
-            <a:schemeClr val="accent1"/>
-          </a:lnRef>
-          <a:fillRef idx="0">
-            <a:schemeClr val="accent1"/>
-          </a:fillRef>
-          <a:effectRef idx="0">
-            <a:schemeClr val="accent1"/>
-          </a:effectRef>
-          <a:fontRef idx="minor">
-            <a:schemeClr val="tx1"/>
-          </a:fontRef>
-        </p:style>
-      </p:cxnSp>
-      <p:sp>
-        <p:nvSpPr>
-          <p:cNvPr id="3" name="平行四边形 2">
-            <a:extLst>
-              <a:ext uri="{FF2B5EF4-FFF2-40B4-BE49-F238E27FC236}">
-                <a16:creationId xmlns:a16="http://schemas.microsoft.com/office/drawing/2014/main" id="{59139D79-164C-8F97-4254-95061E76D59A}"/>
-              </a:ext>
-            </a:extLst>
-          </p:cNvPr>
-          <p:cNvSpPr/>
-          <p:nvPr/>
-        </p:nvSpPr>
-        <p:spPr>
-          <a:xfrm>
-            <a:off x="-324544" y="261561"/>
-            <a:ext cx="2664296" cy="432048"/>
-          </a:xfrm>
-          <a:prstGeom prst="parallelogram">
-            <a:avLst>
-              <a:gd name="adj" fmla="val 38803"/>
-            </a:avLst>
-          </a:prstGeom>
-          <a:solidFill>
-            <a:schemeClr val="accent1">
-              <a:lumMod val="50000"/>
-            </a:schemeClr>
-          </a:solidFill>
-          <a:ln>
-            <a:noFill/>
-          </a:ln>
-        </p:spPr>
-        <p:style>
-          <a:lnRef idx="2">
-            <a:schemeClr val="accent1">
-              <a:shade val="50000"/>
-            </a:schemeClr>
-          </a:lnRef>
-          <a:fillRef idx="1">
-            <a:schemeClr val="accent1"/>
-          </a:fillRef>
-          <a:effectRef idx="0">
-            <a:schemeClr val="accent1"/>
-          </a:effectRef>
-          <a:fontRef idx="minor">
-            <a:schemeClr val="lt1"/>
-          </a:fontRef>
-        </p:style>
-        <p:txBody>
-          <a:bodyPr rtlCol="0" anchor="ctr"/>
-          <a:lstStyle/>
-          <a:p>
-            <a:pPr algn="ctr"/>
-            <a:endParaRPr lang="zh-CN" altLang="en-US"/>
-          </a:p>
-        </p:txBody>
-      </p:sp>
-      <p:sp>
-        <p:nvSpPr>
-          <p:cNvPr id="14" name="矩形 13">
-            <a:extLst>
-              <a:ext uri="{FF2B5EF4-FFF2-40B4-BE49-F238E27FC236}">
-                <a16:creationId xmlns:a16="http://schemas.microsoft.com/office/drawing/2014/main" id="{5E3FE320-BA9D-53C2-9F1E-DE2DBE2CD132}"/>
-              </a:ext>
-            </a:extLst>
-          </p:cNvPr>
-          <p:cNvSpPr/>
-          <p:nvPr/>
-        </p:nvSpPr>
-        <p:spPr>
-          <a:xfrm>
-            <a:off x="393300" y="319849"/>
-            <a:ext cx="1224136" cy="315471"/>
-          </a:xfrm>
-          <a:prstGeom prst="rect">
-            <a:avLst/>
-          </a:prstGeom>
-        </p:spPr>
-        <p:txBody>
-          <a:bodyPr wrap="square" lIns="68580" tIns="34290" rIns="68580" bIns="34290">
-            <a:spAutoFit/>
-          </a:bodyPr>
-          <a:lstStyle/>
-          <a:p>
-            <a:r>
-              <a:rPr lang="zh-CN" altLang="en-US" sz="1600" dirty="0">
-                <a:solidFill>
-                  <a:schemeClr val="bg1"/>
-                </a:solidFill>
-                <a:latin typeface="微软雅黑" panose="020B0503020204020204" pitchFamily="34" charset="-122"/>
-                <a:ea typeface="微软雅黑" panose="020B0503020204020204" pitchFamily="34" charset="-122"/>
-              </a:rPr>
-              <a:t>特征重要性</a:t>
-            </a:r>
-          </a:p>
-        </p:txBody>
-      </p:sp>
-      <p:pic>
-        <p:nvPicPr>
-          <p:cNvPr id="13" name="图片 12">
-            <a:extLst>
-              <a:ext uri="{FF2B5EF4-FFF2-40B4-BE49-F238E27FC236}">
-                <a16:creationId xmlns:a16="http://schemas.microsoft.com/office/drawing/2014/main" id="{EE8CE375-A5D9-BC02-B4A7-A75964E9765D}"/>
-              </a:ext>
-            </a:extLst>
-          </p:cNvPr>
-          <p:cNvPicPr>
-            <a:picLocks noChangeAspect="1"/>
-          </p:cNvPicPr>
-          <p:nvPr/>
-        </p:nvPicPr>
-        <p:blipFill>
-          <a:blip r:embed="rId2">
-            <a:extLst>
-              <a:ext uri="{28A0092B-C50C-407E-A947-70E740481C1C}">
-                <a14:useLocalDpi xmlns:a14="http://schemas.microsoft.com/office/drawing/2010/main" val="0"/>
-              </a:ext>
-            </a:extLst>
-          </a:blip>
-          <a:stretch>
-            <a:fillRect/>
-          </a:stretch>
-        </p:blipFill>
-        <p:spPr>
-          <a:xfrm>
-            <a:off x="539552" y="851344"/>
-            <a:ext cx="8064896" cy="3995752"/>
-          </a:xfrm>
-          <a:prstGeom prst="rect">
-            <a:avLst/>
-          </a:prstGeom>
-        </p:spPr>
-      </p:pic>
-    </p:spTree>
-    <p:extLst>
-      <p:ext uri="{BB962C8B-B14F-4D97-AF65-F5344CB8AC3E}">
-        <p14:creationId xmlns:p14="http://schemas.microsoft.com/office/powerpoint/2010/main" val="1206781862"/>
-      </p:ext>
-    </p:extLst>
-  </p:cSld>
-  <p:clrMapOvr>
-    <a:masterClrMapping/>
-  </p:clrMapOvr>
-</p:sld>
-</file>
-
-<file path=ppt/slides/slide8.xml><?xml version="1.0" encoding="utf-8"?>
-<p:sld xmlns:a="http://schemas.openxmlformats.org/drawingml/2006/main" xmlns:r="http://schemas.openxmlformats.org/officeDocument/2006/relationships" xmlns:p="http://schemas.openxmlformats.org/presentationml/2006/main">
-  <p:cSld>
-    <p:spTree>
-      <p:nvGrpSpPr>
-        <p:cNvPr id="1" name=""/>
-        <p:cNvGrpSpPr/>
-        <p:nvPr/>
-      </p:nvGrpSpPr>
-      <p:grpSpPr>
-        <a:xfrm>
-          <a:off x="0" y="0"/>
-          <a:ext cx="0" cy="0"/>
-          <a:chOff x="0" y="0"/>
-          <a:chExt cx="0" cy="0"/>
-        </a:xfrm>
-      </p:grpSpPr>
-      <p:cxnSp>
-        <p:nvCxnSpPr>
-          <p:cNvPr id="2" name="直接连接符 1"/>
-          <p:cNvCxnSpPr>
-            <a:stCxn id="3" idx="5"/>
-          </p:cNvCxnSpPr>
-          <p:nvPr/>
-        </p:nvCxnSpPr>
-        <p:spPr>
-          <a:xfrm>
-            <a:off x="-240720" y="477585"/>
-            <a:ext cx="9421232" cy="0"/>
-          </a:xfrm>
-          <a:prstGeom prst="line">
-            <a:avLst/>
-          </a:prstGeom>
-          <a:ln w="12700">
-            <a:solidFill>
-              <a:schemeClr val="accent1">
-                <a:lumMod val="50000"/>
-              </a:schemeClr>
-            </a:solidFill>
-          </a:ln>
-        </p:spPr>
-        <p:style>
-          <a:lnRef idx="1">
-            <a:schemeClr val="accent1"/>
-          </a:lnRef>
-          <a:fillRef idx="0">
-            <a:schemeClr val="accent1"/>
-          </a:fillRef>
-          <a:effectRef idx="0">
-            <a:schemeClr val="accent1"/>
-          </a:effectRef>
-          <a:fontRef idx="minor">
-            <a:schemeClr val="tx1"/>
-          </a:fontRef>
-        </p:style>
-      </p:cxnSp>
-      <p:sp>
-        <p:nvSpPr>
-          <p:cNvPr id="3" name="平行四边形 2"/>
-          <p:cNvSpPr/>
-          <p:nvPr/>
-        </p:nvSpPr>
-        <p:spPr>
-          <a:xfrm>
-            <a:off x="-324544" y="261561"/>
-            <a:ext cx="2664296" cy="432048"/>
-          </a:xfrm>
-          <a:prstGeom prst="parallelogram">
-            <a:avLst>
-              <a:gd name="adj" fmla="val 38803"/>
-            </a:avLst>
-          </a:prstGeom>
-          <a:solidFill>
-            <a:schemeClr val="accent1">
-              <a:lumMod val="50000"/>
-            </a:schemeClr>
-          </a:solidFill>
-          <a:ln>
-            <a:noFill/>
-          </a:ln>
-        </p:spPr>
-        <p:style>
-          <a:lnRef idx="2">
-            <a:schemeClr val="accent1">
-              <a:shade val="50000"/>
-            </a:schemeClr>
-          </a:lnRef>
-          <a:fillRef idx="1">
-            <a:schemeClr val="accent1"/>
-          </a:fillRef>
-          <a:effectRef idx="0">
-            <a:schemeClr val="accent1"/>
-          </a:effectRef>
-          <a:fontRef idx="minor">
-            <a:schemeClr val="lt1"/>
-          </a:fontRef>
-        </p:style>
-        <p:txBody>
-          <a:bodyPr rtlCol="0" anchor="ctr"/>
-          <a:lstStyle/>
-          <a:p>
-            <a:pPr algn="ctr"/>
-            <a:endParaRPr lang="zh-CN" altLang="en-US"/>
-          </a:p>
-        </p:txBody>
-      </p:sp>
-      <p:sp>
-        <p:nvSpPr>
-          <p:cNvPr id="11" name="TextBox 10"/>
-          <p:cNvSpPr txBox="1"/>
-          <p:nvPr/>
-        </p:nvSpPr>
-        <p:spPr>
-          <a:xfrm>
-            <a:off x="1043608" y="847900"/>
-            <a:ext cx="3544157" cy="400110"/>
-          </a:xfrm>
-          <a:prstGeom prst="rect">
-            <a:avLst/>
-          </a:prstGeom>
-          <a:noFill/>
-        </p:spPr>
-        <p:txBody>
-          <a:bodyPr wrap="square" rtlCol="0">
-            <a:spAutoFit/>
-          </a:bodyPr>
-          <a:lstStyle/>
-          <a:p>
-            <a:r>
-              <a:rPr lang="zh-CN" altLang="en-US" sz="2000" b="1" dirty="0">
-                <a:solidFill>
-                  <a:schemeClr val="tx1">
-                    <a:lumMod val="85000"/>
-                    <a:lumOff val="15000"/>
-                  </a:schemeClr>
-                </a:solidFill>
-                <a:latin typeface="微软雅黑" panose="020B0503020204020204" pitchFamily="34" charset="-122"/>
-                <a:ea typeface="微软雅黑" panose="020B0503020204020204" pitchFamily="34" charset="-122"/>
-              </a:rPr>
-              <a:t>数据信息汇总</a:t>
-            </a:r>
-          </a:p>
-        </p:txBody>
-      </p:sp>
-      <p:sp>
-        <p:nvSpPr>
-          <p:cNvPr id="14" name="矩形 13"/>
-          <p:cNvSpPr/>
-          <p:nvPr/>
-        </p:nvSpPr>
-        <p:spPr>
-          <a:xfrm>
-            <a:off x="393300" y="319849"/>
-            <a:ext cx="1224136" cy="315471"/>
-          </a:xfrm>
-          <a:prstGeom prst="rect">
-            <a:avLst/>
-          </a:prstGeom>
-        </p:spPr>
-        <p:txBody>
-          <a:bodyPr wrap="square" lIns="68580" tIns="34290" rIns="68580" bIns="34290">
-            <a:spAutoFit/>
-          </a:bodyPr>
-          <a:lstStyle/>
-          <a:p>
-            <a:r>
-              <a:rPr lang="zh-CN" altLang="en-US" sz="1600" dirty="0">
-                <a:solidFill>
-                  <a:schemeClr val="bg1"/>
-                </a:solidFill>
-                <a:latin typeface="微软雅黑" panose="020B0503020204020204" pitchFamily="34" charset="-122"/>
-                <a:ea typeface="微软雅黑" panose="020B0503020204020204" pitchFamily="34" charset="-122"/>
-              </a:rPr>
-              <a:t>汇总信息</a:t>
-            </a:r>
-          </a:p>
-        </p:txBody>
-      </p:sp>
-      <p:pic>
-        <p:nvPicPr>
-          <p:cNvPr id="15" name="图片 14">
-            <a:extLst>
-              <a:ext uri="{FF2B5EF4-FFF2-40B4-BE49-F238E27FC236}">
-                <a16:creationId xmlns:a16="http://schemas.microsoft.com/office/drawing/2014/main" id="{0E8647F3-FD85-13A7-6333-EDF6BC4F917C}"/>
-              </a:ext>
-            </a:extLst>
-          </p:cNvPr>
-          <p:cNvPicPr>
-            <a:picLocks noChangeAspect="1"/>
-          </p:cNvPicPr>
-          <p:nvPr/>
-        </p:nvPicPr>
-        <p:blipFill>
-          <a:blip r:embed="rId2"/>
-          <a:stretch>
-            <a:fillRect/>
-          </a:stretch>
-        </p:blipFill>
-        <p:spPr>
-          <a:xfrm>
-            <a:off x="0" y="1452658"/>
-            <a:ext cx="9144000" cy="2842942"/>
-          </a:xfrm>
-          <a:prstGeom prst="rect">
-            <a:avLst/>
-          </a:prstGeom>
-        </p:spPr>
-      </p:pic>
-    </p:spTree>
   </p:cSld>
   <p:clrMapOvr>
     <a:masterClrMapping/>
